--- a/数据库期末设计.pptx
+++ b/数据库期末设计.pptx
@@ -5,23 +5,25 @@
     <p:sldMasterId id="2147483648" r:id="rId1"/>
   </p:sldMasterIdLst>
   <p:notesMasterIdLst>
-    <p:notesMasterId r:id="rId6"/>
+    <p:notesMasterId r:id="rId18"/>
   </p:notesMasterIdLst>
   <p:sldIdLst>
-    <p:sldId id="256" r:id="rId3"/>
-    <p:sldId id="264" r:id="rId4"/>
-    <p:sldId id="271" r:id="rId5"/>
-    <p:sldId id="272" r:id="rId7"/>
-    <p:sldId id="273" r:id="rId8"/>
-    <p:sldId id="275" r:id="rId9"/>
-    <p:sldId id="274" r:id="rId10"/>
-    <p:sldId id="257" r:id="rId11"/>
-    <p:sldId id="258" r:id="rId12"/>
-    <p:sldId id="268" r:id="rId13"/>
-    <p:sldId id="269" r:id="rId14"/>
-    <p:sldId id="263" r:id="rId15"/>
-    <p:sldId id="259" r:id="rId16"/>
-    <p:sldId id="262" r:id="rId17"/>
+    <p:sldId id="256" r:id="rId2"/>
+    <p:sldId id="264" r:id="rId3"/>
+    <p:sldId id="271" r:id="rId4"/>
+    <p:sldId id="272" r:id="rId5"/>
+    <p:sldId id="273" r:id="rId6"/>
+    <p:sldId id="275" r:id="rId7"/>
+    <p:sldId id="274" r:id="rId8"/>
+    <p:sldId id="257" r:id="rId9"/>
+    <p:sldId id="258" r:id="rId10"/>
+    <p:sldId id="268" r:id="rId11"/>
+    <p:sldId id="269" r:id="rId12"/>
+    <p:sldId id="263" r:id="rId13"/>
+    <p:sldId id="259" r:id="rId14"/>
+    <p:sldId id="277" r:id="rId15"/>
+    <p:sldId id="276" r:id="rId16"/>
+    <p:sldId id="278" r:id="rId17"/>
   </p:sldIdLst>
   <p:sldSz cx="12192000" cy="6858000"/>
   <p:notesSz cx="6858000" cy="9144000"/>
@@ -120,6 +122,11 @@
       </a:defRPr>
     </a:lvl9pPr>
   </p:defaultTextStyle>
+  <p:extLst>
+    <p:ext uri="{EFAFB233-063F-42B5-8137-9DF3F51BA10A}">
+      <p15:sldGuideLst xmlns:p15="http://schemas.microsoft.com/office/powerpoint/2012/main"/>
+    </p:ext>
+  </p:extLst>
 </p:presentation>
 </file>
 
@@ -205,6 +212,7 @@
           <a:p>
             <a:fld id="{D2A48B96-639E-45A3-A0BA-2464DFDB1FAA}" type="datetimeFigureOut">
               <a:rPr lang="zh-CN" altLang="en-US" smtClean="0"/>
+              <a:t>2020-11-09</a:t>
             </a:fld>
             <a:endParaRPr lang="zh-CN" altLang="en-US"/>
           </a:p>
@@ -268,42 +276,37 @@
           <a:p>
             <a:pPr lvl="0"/>
             <a:r>
-              <a:rPr lang="zh-CN" altLang="en-US" smtClean="0"/>
+              <a:rPr lang="zh-CN" altLang="en-US"/>
               <a:t>单击此处编辑母版文本样式</a:t>
             </a:r>
-            <a:endParaRPr lang="zh-CN" altLang="en-US" smtClean="0"/>
           </a:p>
           <a:p>
             <a:pPr lvl="1"/>
             <a:r>
-              <a:rPr lang="zh-CN" altLang="en-US" smtClean="0"/>
+              <a:rPr lang="zh-CN" altLang="en-US"/>
               <a:t>第二级</a:t>
             </a:r>
-            <a:endParaRPr lang="zh-CN" altLang="en-US" smtClean="0"/>
           </a:p>
           <a:p>
             <a:pPr lvl="2"/>
             <a:r>
-              <a:rPr lang="zh-CN" altLang="en-US" smtClean="0"/>
+              <a:rPr lang="zh-CN" altLang="en-US"/>
               <a:t>第三级</a:t>
             </a:r>
-            <a:endParaRPr lang="zh-CN" altLang="en-US" smtClean="0"/>
           </a:p>
           <a:p>
             <a:pPr lvl="3"/>
             <a:r>
-              <a:rPr lang="zh-CN" altLang="en-US" smtClean="0"/>
+              <a:rPr lang="zh-CN" altLang="en-US"/>
               <a:t>第四级</a:t>
             </a:r>
-            <a:endParaRPr lang="zh-CN" altLang="en-US" smtClean="0"/>
           </a:p>
           <a:p>
             <a:pPr lvl="4"/>
             <a:r>
-              <a:rPr lang="zh-CN" altLang="en-US" smtClean="0"/>
+              <a:rPr lang="zh-CN" altLang="en-US"/>
               <a:t>第五级</a:t>
             </a:r>
-            <a:endParaRPr lang="zh-CN" altLang="en-US"/>
           </a:p>
         </p:txBody>
       </p:sp>
@@ -367,6 +370,7 @@
           <a:p>
             <a:fld id="{A6837353-30EB-4A48-80EB-173D804AEFBD}" type="slidenum">
               <a:rPr lang="zh-CN" altLang="en-US" smtClean="0"/>
+              <a:t>‹#›</a:t>
             </a:fld>
             <a:endParaRPr lang="zh-CN" altLang="en-US"/>
           </a:p>
@@ -479,11 +483,20 @@
         <p:cNvGrpSpPr/>
         <p:nvPr/>
       </p:nvGrpSpPr>
-      <p:grpSpPr/>
+      <p:grpSpPr>
+        <a:xfrm>
+          <a:off x="0" y="0"/>
+          <a:ext cx="0" cy="0"/>
+          <a:chOff x="0" y="0"/>
+          <a:chExt cx="0" cy="0"/>
+        </a:xfrm>
+      </p:grpSpPr>
       <p:sp>
         <p:nvSpPr>
           <p:cNvPr id="2" name="幻灯片图像占位符 1"/>
-          <p:cNvSpPr/>
+          <p:cNvSpPr>
+            <a:spLocks noGrp="1" noRot="1" noChangeAspect="1"/>
+          </p:cNvSpPr>
           <p:nvPr>
             <p:ph type="sldImg" idx="2"/>
           </p:nvPr>
@@ -493,7 +506,9 @@
       <p:sp>
         <p:nvSpPr>
           <p:cNvPr id="3" name="文本占位符 2"/>
-          <p:cNvSpPr/>
+          <p:cNvSpPr>
+            <a:spLocks noGrp="1"/>
+          </p:cNvSpPr>
           <p:nvPr>
             <p:ph type="body" idx="3"/>
           </p:nvPr>
@@ -501,6 +516,7 @@
         <p:spPr/>
         <p:txBody>
           <a:bodyPr/>
+          <a:lstStyle/>
           <a:p>
             <a:endParaRPr lang="zh-CN" altLang="en-US"/>
           </a:p>
@@ -523,11 +539,20 @@
         <p:cNvGrpSpPr/>
         <p:nvPr/>
       </p:nvGrpSpPr>
-      <p:grpSpPr/>
+      <p:grpSpPr>
+        <a:xfrm>
+          <a:off x="0" y="0"/>
+          <a:ext cx="0" cy="0"/>
+          <a:chOff x="0" y="0"/>
+          <a:chExt cx="0" cy="0"/>
+        </a:xfrm>
+      </p:grpSpPr>
       <p:sp>
         <p:nvSpPr>
           <p:cNvPr id="2" name="幻灯片图像占位符 1"/>
-          <p:cNvSpPr/>
+          <p:cNvSpPr>
+            <a:spLocks noGrp="1" noRot="1" noChangeAspect="1"/>
+          </p:cNvSpPr>
           <p:nvPr>
             <p:ph type="sldImg" idx="2"/>
           </p:nvPr>
@@ -537,7 +562,9 @@
       <p:sp>
         <p:nvSpPr>
           <p:cNvPr id="3" name="文本占位符 2"/>
-          <p:cNvSpPr/>
+          <p:cNvSpPr>
+            <a:spLocks noGrp="1"/>
+          </p:cNvSpPr>
           <p:nvPr>
             <p:ph type="body" idx="3"/>
           </p:nvPr>
@@ -545,6 +572,7 @@
         <p:spPr/>
         <p:txBody>
           <a:bodyPr/>
+          <a:lstStyle/>
           <a:p>
             <a:endParaRPr lang="zh-CN" altLang="en-US"/>
           </a:p>
@@ -567,11 +595,20 @@
         <p:cNvGrpSpPr/>
         <p:nvPr/>
       </p:nvGrpSpPr>
-      <p:grpSpPr/>
+      <p:grpSpPr>
+        <a:xfrm>
+          <a:off x="0" y="0"/>
+          <a:ext cx="0" cy="0"/>
+          <a:chOff x="0" y="0"/>
+          <a:chExt cx="0" cy="0"/>
+        </a:xfrm>
+      </p:grpSpPr>
       <p:sp>
         <p:nvSpPr>
           <p:cNvPr id="2" name="幻灯片图像占位符 1"/>
-          <p:cNvSpPr/>
+          <p:cNvSpPr>
+            <a:spLocks noGrp="1" noRot="1" noChangeAspect="1"/>
+          </p:cNvSpPr>
           <p:nvPr>
             <p:ph type="sldImg" idx="2"/>
           </p:nvPr>
@@ -581,7 +618,9 @@
       <p:sp>
         <p:nvSpPr>
           <p:cNvPr id="3" name="文本占位符 2"/>
-          <p:cNvSpPr/>
+          <p:cNvSpPr>
+            <a:spLocks noGrp="1"/>
+          </p:cNvSpPr>
           <p:nvPr>
             <p:ph type="body" idx="3"/>
           </p:nvPr>
@@ -589,6 +628,7 @@
         <p:spPr/>
         <p:txBody>
           <a:bodyPr/>
+          <a:lstStyle/>
           <a:p>
             <a:endParaRPr lang="zh-CN" altLang="en-US"/>
           </a:p>
@@ -611,11 +651,20 @@
         <p:cNvGrpSpPr/>
         <p:nvPr/>
       </p:nvGrpSpPr>
-      <p:grpSpPr/>
+      <p:grpSpPr>
+        <a:xfrm>
+          <a:off x="0" y="0"/>
+          <a:ext cx="0" cy="0"/>
+          <a:chOff x="0" y="0"/>
+          <a:chExt cx="0" cy="0"/>
+        </a:xfrm>
+      </p:grpSpPr>
       <p:sp>
         <p:nvSpPr>
           <p:cNvPr id="2" name="幻灯片图像占位符 1"/>
-          <p:cNvSpPr/>
+          <p:cNvSpPr>
+            <a:spLocks noGrp="1" noRot="1" noChangeAspect="1"/>
+          </p:cNvSpPr>
           <p:nvPr>
             <p:ph type="sldImg" idx="2"/>
           </p:nvPr>
@@ -625,7 +674,9 @@
       <p:sp>
         <p:nvSpPr>
           <p:cNvPr id="3" name="文本占位符 2"/>
-          <p:cNvSpPr/>
+          <p:cNvSpPr>
+            <a:spLocks noGrp="1"/>
+          </p:cNvSpPr>
           <p:nvPr>
             <p:ph type="body" idx="3"/>
           </p:nvPr>
@@ -633,6 +684,7 @@
         <p:spPr/>
         <p:txBody>
           <a:bodyPr/>
+          <a:lstStyle/>
           <a:p>
             <a:endParaRPr lang="zh-CN" altLang="en-US"/>
           </a:p>
@@ -655,11 +707,20 @@
         <p:cNvGrpSpPr/>
         <p:nvPr/>
       </p:nvGrpSpPr>
-      <p:grpSpPr/>
+      <p:grpSpPr>
+        <a:xfrm>
+          <a:off x="0" y="0"/>
+          <a:ext cx="0" cy="0"/>
+          <a:chOff x="0" y="0"/>
+          <a:chExt cx="0" cy="0"/>
+        </a:xfrm>
+      </p:grpSpPr>
       <p:sp>
         <p:nvSpPr>
           <p:cNvPr id="2" name="幻灯片图像占位符 1"/>
-          <p:cNvSpPr/>
+          <p:cNvSpPr>
+            <a:spLocks noGrp="1" noRot="1" noChangeAspect="1"/>
+          </p:cNvSpPr>
           <p:nvPr>
             <p:ph type="sldImg" idx="2"/>
           </p:nvPr>
@@ -669,7 +730,9 @@
       <p:sp>
         <p:nvSpPr>
           <p:cNvPr id="3" name="文本占位符 2"/>
-          <p:cNvSpPr/>
+          <p:cNvSpPr>
+            <a:spLocks noGrp="1"/>
+          </p:cNvSpPr>
           <p:nvPr>
             <p:ph type="body" idx="3"/>
           </p:nvPr>
@@ -677,12 +740,97 @@
         <p:spPr/>
         <p:txBody>
           <a:bodyPr/>
+          <a:lstStyle/>
           <a:p>
             <a:endParaRPr lang="zh-CN" altLang="en-US"/>
           </a:p>
         </p:txBody>
       </p:sp>
     </p:spTree>
+  </p:cSld>
+  <p:clrMapOvr>
+    <a:masterClrMapping/>
+  </p:clrMapOvr>
+</p:notes>
+</file>
+
+<file path=ppt/notesSlides/notesSlide6.xml><?xml version="1.0" encoding="utf-8"?>
+<p:notes xmlns:a="http://schemas.openxmlformats.org/drawingml/2006/main" xmlns:r="http://schemas.openxmlformats.org/officeDocument/2006/relationships" xmlns:p="http://schemas.openxmlformats.org/presentationml/2006/main">
+  <p:cSld>
+    <p:spTree>
+      <p:nvGrpSpPr>
+        <p:cNvPr id="1" name=""/>
+        <p:cNvGrpSpPr/>
+        <p:nvPr/>
+      </p:nvGrpSpPr>
+      <p:grpSpPr>
+        <a:xfrm>
+          <a:off x="0" y="0"/>
+          <a:ext cx="0" cy="0"/>
+          <a:chOff x="0" y="0"/>
+          <a:chExt cx="0" cy="0"/>
+        </a:xfrm>
+      </p:grpSpPr>
+      <p:sp>
+        <p:nvSpPr>
+          <p:cNvPr id="2" name="幻灯片图像占位符 1"/>
+          <p:cNvSpPr>
+            <a:spLocks noGrp="1" noRot="1" noChangeAspect="1"/>
+          </p:cNvSpPr>
+          <p:nvPr>
+            <p:ph type="sldImg"/>
+          </p:nvPr>
+        </p:nvSpPr>
+        <p:spPr/>
+      </p:sp>
+      <p:sp>
+        <p:nvSpPr>
+          <p:cNvPr id="3" name="备注占位符 2"/>
+          <p:cNvSpPr>
+            <a:spLocks noGrp="1"/>
+          </p:cNvSpPr>
+          <p:nvPr>
+            <p:ph type="body" idx="1"/>
+          </p:nvPr>
+        </p:nvSpPr>
+        <p:spPr/>
+        <p:txBody>
+          <a:bodyPr/>
+          <a:lstStyle/>
+          <a:p>
+            <a:endParaRPr lang="zh-CN" altLang="en-US" dirty="0"/>
+          </a:p>
+        </p:txBody>
+      </p:sp>
+      <p:sp>
+        <p:nvSpPr>
+          <p:cNvPr id="4" name="灯片编号占位符 3"/>
+          <p:cNvSpPr>
+            <a:spLocks noGrp="1"/>
+          </p:cNvSpPr>
+          <p:nvPr>
+            <p:ph type="sldNum" sz="quarter" idx="5"/>
+          </p:nvPr>
+        </p:nvSpPr>
+        <p:spPr/>
+        <p:txBody>
+          <a:bodyPr/>
+          <a:lstStyle/>
+          <a:p>
+            <a:fld id="{A6837353-30EB-4A48-80EB-173D804AEFBD}" type="slidenum">
+              <a:rPr lang="zh-CN" altLang="en-US" smtClean="0"/>
+              <a:t>11</a:t>
+            </a:fld>
+            <a:endParaRPr lang="zh-CN" altLang="en-US"/>
+          </a:p>
+        </p:txBody>
+      </p:sp>
+    </p:spTree>
+    <p:extLst>
+      <p:ext uri="{BB962C8B-B14F-4D97-AF65-F5344CB8AC3E}">
+        <p14:creationId xmlns:p14="http://schemas.microsoft.com/office/powerpoint/2010/main" val="1868038647"/>
+      </p:ext>
+    </p:extLst>
   </p:cSld>
   <p:clrMapOvr>
     <a:masterClrMapping/>
@@ -735,7 +883,6 @@
               <a:rPr lang="zh-CN" altLang="en-US"/>
               <a:t>单击此处编辑母版标题样式</a:t>
             </a:r>
-            <a:endParaRPr lang="zh-CN" altLang="en-US"/>
           </a:p>
         </p:txBody>
       </p:sp>
@@ -800,7 +947,6 @@
               <a:rPr lang="zh-CN" altLang="en-US"/>
               <a:t>单击此处编辑母版副标题样式</a:t>
             </a:r>
-            <a:endParaRPr lang="zh-CN" altLang="en-US"/>
           </a:p>
         </p:txBody>
       </p:sp>
@@ -821,6 +967,7 @@
           <a:p>
             <a:fld id="{68FEBCDA-DA3C-452F-A02F-7CDC5223E7BC}" type="datetimeFigureOut">
               <a:rPr lang="zh-CN" altLang="en-US" smtClean="0"/>
+              <a:t>2020-11-09</a:t>
             </a:fld>
             <a:endParaRPr lang="zh-CN" altLang="en-US"/>
           </a:p>
@@ -862,6 +1009,7 @@
           <a:p>
             <a:fld id="{A9C8B515-BDAE-4B7E-9C19-375623BB3987}" type="slidenum">
               <a:rPr lang="zh-CN" altLang="en-US" smtClean="0"/>
+              <a:t>‹#›</a:t>
             </a:fld>
             <a:endParaRPr lang="zh-CN" altLang="en-US"/>
           </a:p>
@@ -914,7 +1062,6 @@
               <a:rPr lang="zh-CN" altLang="en-US"/>
               <a:t>单击此处编辑母版标题样式</a:t>
             </a:r>
-            <a:endParaRPr lang="zh-CN" altLang="en-US"/>
           </a:p>
         </p:txBody>
       </p:sp>
@@ -938,7 +1085,6 @@
               <a:rPr lang="zh-CN" altLang="en-US"/>
               <a:t>单击此处编辑母版文本样式</a:t>
             </a:r>
-            <a:endParaRPr lang="zh-CN" altLang="en-US"/>
           </a:p>
           <a:p>
             <a:pPr lvl="1"/>
@@ -946,7 +1092,6 @@
               <a:rPr lang="zh-CN" altLang="en-US"/>
               <a:t>二级</a:t>
             </a:r>
-            <a:endParaRPr lang="zh-CN" altLang="en-US"/>
           </a:p>
           <a:p>
             <a:pPr lvl="2"/>
@@ -954,7 +1099,6 @@
               <a:rPr lang="zh-CN" altLang="en-US"/>
               <a:t>三级</a:t>
             </a:r>
-            <a:endParaRPr lang="zh-CN" altLang="en-US"/>
           </a:p>
           <a:p>
             <a:pPr lvl="3"/>
@@ -962,7 +1106,6 @@
               <a:rPr lang="zh-CN" altLang="en-US"/>
               <a:t>四级</a:t>
             </a:r>
-            <a:endParaRPr lang="zh-CN" altLang="en-US"/>
           </a:p>
           <a:p>
             <a:pPr lvl="4"/>
@@ -970,7 +1113,6 @@
               <a:rPr lang="zh-CN" altLang="en-US"/>
               <a:t>五级</a:t>
             </a:r>
-            <a:endParaRPr lang="zh-CN" altLang="en-US"/>
           </a:p>
         </p:txBody>
       </p:sp>
@@ -991,6 +1133,7 @@
           <a:p>
             <a:fld id="{68FEBCDA-DA3C-452F-A02F-7CDC5223E7BC}" type="datetimeFigureOut">
               <a:rPr lang="zh-CN" altLang="en-US" smtClean="0"/>
+              <a:t>2020-11-09</a:t>
             </a:fld>
             <a:endParaRPr lang="zh-CN" altLang="en-US"/>
           </a:p>
@@ -1032,6 +1175,7 @@
           <a:p>
             <a:fld id="{A9C8B515-BDAE-4B7E-9C19-375623BB3987}" type="slidenum">
               <a:rPr lang="zh-CN" altLang="en-US" smtClean="0"/>
+              <a:t>‹#›</a:t>
             </a:fld>
             <a:endParaRPr lang="zh-CN" altLang="en-US"/>
           </a:p>
@@ -1089,7 +1233,6 @@
               <a:rPr lang="zh-CN" altLang="en-US"/>
               <a:t>单击此处编辑母版标题样式</a:t>
             </a:r>
-            <a:endParaRPr lang="zh-CN" altLang="en-US"/>
           </a:p>
         </p:txBody>
       </p:sp>
@@ -1118,7 +1261,6 @@
               <a:rPr lang="zh-CN" altLang="en-US"/>
               <a:t>单击此处编辑母版文本样式</a:t>
             </a:r>
-            <a:endParaRPr lang="zh-CN" altLang="en-US"/>
           </a:p>
           <a:p>
             <a:pPr lvl="1"/>
@@ -1126,7 +1268,6 @@
               <a:rPr lang="zh-CN" altLang="en-US"/>
               <a:t>二级</a:t>
             </a:r>
-            <a:endParaRPr lang="zh-CN" altLang="en-US"/>
           </a:p>
           <a:p>
             <a:pPr lvl="2"/>
@@ -1134,7 +1275,6 @@
               <a:rPr lang="zh-CN" altLang="en-US"/>
               <a:t>三级</a:t>
             </a:r>
-            <a:endParaRPr lang="zh-CN" altLang="en-US"/>
           </a:p>
           <a:p>
             <a:pPr lvl="3"/>
@@ -1142,7 +1282,6 @@
               <a:rPr lang="zh-CN" altLang="en-US"/>
               <a:t>四级</a:t>
             </a:r>
-            <a:endParaRPr lang="zh-CN" altLang="en-US"/>
           </a:p>
           <a:p>
             <a:pPr lvl="4"/>
@@ -1150,7 +1289,6 @@
               <a:rPr lang="zh-CN" altLang="en-US"/>
               <a:t>五级</a:t>
             </a:r>
-            <a:endParaRPr lang="zh-CN" altLang="en-US"/>
           </a:p>
         </p:txBody>
       </p:sp>
@@ -1171,6 +1309,7 @@
           <a:p>
             <a:fld id="{68FEBCDA-DA3C-452F-A02F-7CDC5223E7BC}" type="datetimeFigureOut">
               <a:rPr lang="zh-CN" altLang="en-US" smtClean="0"/>
+              <a:t>2020-11-09</a:t>
             </a:fld>
             <a:endParaRPr lang="zh-CN" altLang="en-US"/>
           </a:p>
@@ -1212,6 +1351,7 @@
           <a:p>
             <a:fld id="{A9C8B515-BDAE-4B7E-9C19-375623BB3987}" type="slidenum">
               <a:rPr lang="zh-CN" altLang="en-US" smtClean="0"/>
+              <a:t>‹#›</a:t>
             </a:fld>
             <a:endParaRPr lang="zh-CN" altLang="en-US"/>
           </a:p>
@@ -1264,7 +1404,6 @@
               <a:rPr lang="zh-CN" altLang="en-US"/>
               <a:t>单击此处编辑母版标题样式</a:t>
             </a:r>
-            <a:endParaRPr lang="zh-CN" altLang="en-US"/>
           </a:p>
         </p:txBody>
       </p:sp>
@@ -1288,7 +1427,6 @@
               <a:rPr lang="zh-CN" altLang="en-US"/>
               <a:t>单击此处编辑母版文本样式</a:t>
             </a:r>
-            <a:endParaRPr lang="zh-CN" altLang="en-US"/>
           </a:p>
           <a:p>
             <a:pPr lvl="1"/>
@@ -1296,7 +1434,6 @@
               <a:rPr lang="zh-CN" altLang="en-US"/>
               <a:t>二级</a:t>
             </a:r>
-            <a:endParaRPr lang="zh-CN" altLang="en-US"/>
           </a:p>
           <a:p>
             <a:pPr lvl="2"/>
@@ -1304,7 +1441,6 @@
               <a:rPr lang="zh-CN" altLang="en-US"/>
               <a:t>三级</a:t>
             </a:r>
-            <a:endParaRPr lang="zh-CN" altLang="en-US"/>
           </a:p>
           <a:p>
             <a:pPr lvl="3"/>
@@ -1312,7 +1448,6 @@
               <a:rPr lang="zh-CN" altLang="en-US"/>
               <a:t>四级</a:t>
             </a:r>
-            <a:endParaRPr lang="zh-CN" altLang="en-US"/>
           </a:p>
           <a:p>
             <a:pPr lvl="4"/>
@@ -1320,7 +1455,6 @@
               <a:rPr lang="zh-CN" altLang="en-US"/>
               <a:t>五级</a:t>
             </a:r>
-            <a:endParaRPr lang="zh-CN" altLang="en-US"/>
           </a:p>
         </p:txBody>
       </p:sp>
@@ -1341,6 +1475,7 @@
           <a:p>
             <a:fld id="{68FEBCDA-DA3C-452F-A02F-7CDC5223E7BC}" type="datetimeFigureOut">
               <a:rPr lang="zh-CN" altLang="en-US" smtClean="0"/>
+              <a:t>2020-11-09</a:t>
             </a:fld>
             <a:endParaRPr lang="zh-CN" altLang="en-US"/>
           </a:p>
@@ -1382,6 +1517,7 @@
           <a:p>
             <a:fld id="{A9C8B515-BDAE-4B7E-9C19-375623BB3987}" type="slidenum">
               <a:rPr lang="zh-CN" altLang="en-US" smtClean="0"/>
+              <a:t>‹#›</a:t>
             </a:fld>
             <a:endParaRPr lang="zh-CN" altLang="en-US"/>
           </a:p>
@@ -1443,7 +1579,6 @@
               <a:rPr lang="zh-CN" altLang="en-US"/>
               <a:t>单击此处编辑母版标题样式</a:t>
             </a:r>
-            <a:endParaRPr lang="zh-CN" altLang="en-US"/>
           </a:p>
         </p:txBody>
       </p:sp>
@@ -1563,7 +1698,6 @@
               <a:rPr lang="zh-CN" altLang="en-US"/>
               <a:t>单击此处编辑母版文本样式</a:t>
             </a:r>
-            <a:endParaRPr lang="zh-CN" altLang="en-US"/>
           </a:p>
         </p:txBody>
       </p:sp>
@@ -1584,6 +1718,7 @@
           <a:p>
             <a:fld id="{68FEBCDA-DA3C-452F-A02F-7CDC5223E7BC}" type="datetimeFigureOut">
               <a:rPr lang="zh-CN" altLang="en-US" smtClean="0"/>
+              <a:t>2020-11-09</a:t>
             </a:fld>
             <a:endParaRPr lang="zh-CN" altLang="en-US"/>
           </a:p>
@@ -1625,6 +1760,7 @@
           <a:p>
             <a:fld id="{A9C8B515-BDAE-4B7E-9C19-375623BB3987}" type="slidenum">
               <a:rPr lang="zh-CN" altLang="en-US" smtClean="0"/>
+              <a:t>‹#›</a:t>
             </a:fld>
             <a:endParaRPr lang="zh-CN" altLang="en-US"/>
           </a:p>
@@ -1677,7 +1813,6 @@
               <a:rPr lang="zh-CN" altLang="en-US"/>
               <a:t>单击此处编辑母版标题样式</a:t>
             </a:r>
-            <a:endParaRPr lang="zh-CN" altLang="en-US"/>
           </a:p>
         </p:txBody>
       </p:sp>
@@ -1706,7 +1841,6 @@
               <a:rPr lang="zh-CN" altLang="en-US"/>
               <a:t>单击此处编辑母版文本样式</a:t>
             </a:r>
-            <a:endParaRPr lang="zh-CN" altLang="en-US"/>
           </a:p>
           <a:p>
             <a:pPr lvl="1"/>
@@ -1714,7 +1848,6 @@
               <a:rPr lang="zh-CN" altLang="en-US"/>
               <a:t>二级</a:t>
             </a:r>
-            <a:endParaRPr lang="zh-CN" altLang="en-US"/>
           </a:p>
           <a:p>
             <a:pPr lvl="2"/>
@@ -1722,7 +1855,6 @@
               <a:rPr lang="zh-CN" altLang="en-US"/>
               <a:t>三级</a:t>
             </a:r>
-            <a:endParaRPr lang="zh-CN" altLang="en-US"/>
           </a:p>
           <a:p>
             <a:pPr lvl="3"/>
@@ -1730,7 +1862,6 @@
               <a:rPr lang="zh-CN" altLang="en-US"/>
               <a:t>四级</a:t>
             </a:r>
-            <a:endParaRPr lang="zh-CN" altLang="en-US"/>
           </a:p>
           <a:p>
             <a:pPr lvl="4"/>
@@ -1738,7 +1869,6 @@
               <a:rPr lang="zh-CN" altLang="en-US"/>
               <a:t>五级</a:t>
             </a:r>
-            <a:endParaRPr lang="zh-CN" altLang="en-US"/>
           </a:p>
         </p:txBody>
       </p:sp>
@@ -1767,7 +1897,6 @@
               <a:rPr lang="zh-CN" altLang="en-US"/>
               <a:t>单击此处编辑母版文本样式</a:t>
             </a:r>
-            <a:endParaRPr lang="zh-CN" altLang="en-US"/>
           </a:p>
           <a:p>
             <a:pPr lvl="1"/>
@@ -1775,7 +1904,6 @@
               <a:rPr lang="zh-CN" altLang="en-US"/>
               <a:t>二级</a:t>
             </a:r>
-            <a:endParaRPr lang="zh-CN" altLang="en-US"/>
           </a:p>
           <a:p>
             <a:pPr lvl="2"/>
@@ -1783,7 +1911,6 @@
               <a:rPr lang="zh-CN" altLang="en-US"/>
               <a:t>三级</a:t>
             </a:r>
-            <a:endParaRPr lang="zh-CN" altLang="en-US"/>
           </a:p>
           <a:p>
             <a:pPr lvl="3"/>
@@ -1791,7 +1918,6 @@
               <a:rPr lang="zh-CN" altLang="en-US"/>
               <a:t>四级</a:t>
             </a:r>
-            <a:endParaRPr lang="zh-CN" altLang="en-US"/>
           </a:p>
           <a:p>
             <a:pPr lvl="4"/>
@@ -1799,7 +1925,6 @@
               <a:rPr lang="zh-CN" altLang="en-US"/>
               <a:t>五级</a:t>
             </a:r>
-            <a:endParaRPr lang="zh-CN" altLang="en-US"/>
           </a:p>
         </p:txBody>
       </p:sp>
@@ -1820,6 +1945,7 @@
           <a:p>
             <a:fld id="{68FEBCDA-DA3C-452F-A02F-7CDC5223E7BC}" type="datetimeFigureOut">
               <a:rPr lang="zh-CN" altLang="en-US" smtClean="0"/>
+              <a:t>2020-11-09</a:t>
             </a:fld>
             <a:endParaRPr lang="zh-CN" altLang="en-US"/>
           </a:p>
@@ -1861,6 +1987,7 @@
           <a:p>
             <a:fld id="{A9C8B515-BDAE-4B7E-9C19-375623BB3987}" type="slidenum">
               <a:rPr lang="zh-CN" altLang="en-US" smtClean="0"/>
+              <a:t>‹#›</a:t>
             </a:fld>
             <a:endParaRPr lang="zh-CN" altLang="en-US"/>
           </a:p>
@@ -1918,7 +2045,6 @@
               <a:rPr lang="zh-CN" altLang="en-US"/>
               <a:t>单击此处编辑母版标题样式</a:t>
             </a:r>
-            <a:endParaRPr lang="zh-CN" altLang="en-US"/>
           </a:p>
         </p:txBody>
       </p:sp>
@@ -1984,7 +2110,6 @@
               <a:rPr lang="zh-CN" altLang="en-US"/>
               <a:t>单击此处编辑母版文本样式</a:t>
             </a:r>
-            <a:endParaRPr lang="zh-CN" altLang="en-US"/>
           </a:p>
         </p:txBody>
       </p:sp>
@@ -2013,7 +2138,6 @@
               <a:rPr lang="zh-CN" altLang="en-US"/>
               <a:t>单击此处编辑母版文本样式</a:t>
             </a:r>
-            <a:endParaRPr lang="zh-CN" altLang="en-US"/>
           </a:p>
           <a:p>
             <a:pPr lvl="1"/>
@@ -2021,7 +2145,6 @@
               <a:rPr lang="zh-CN" altLang="en-US"/>
               <a:t>二级</a:t>
             </a:r>
-            <a:endParaRPr lang="zh-CN" altLang="en-US"/>
           </a:p>
           <a:p>
             <a:pPr lvl="2"/>
@@ -2029,7 +2152,6 @@
               <a:rPr lang="zh-CN" altLang="en-US"/>
               <a:t>三级</a:t>
             </a:r>
-            <a:endParaRPr lang="zh-CN" altLang="en-US"/>
           </a:p>
           <a:p>
             <a:pPr lvl="3"/>
@@ -2037,7 +2159,6 @@
               <a:rPr lang="zh-CN" altLang="en-US"/>
               <a:t>四级</a:t>
             </a:r>
-            <a:endParaRPr lang="zh-CN" altLang="en-US"/>
           </a:p>
           <a:p>
             <a:pPr lvl="4"/>
@@ -2045,7 +2166,6 @@
               <a:rPr lang="zh-CN" altLang="en-US"/>
               <a:t>五级</a:t>
             </a:r>
-            <a:endParaRPr lang="zh-CN" altLang="en-US"/>
           </a:p>
         </p:txBody>
       </p:sp>
@@ -2111,7 +2231,6 @@
               <a:rPr lang="zh-CN" altLang="en-US"/>
               <a:t>单击此处编辑母版文本样式</a:t>
             </a:r>
-            <a:endParaRPr lang="zh-CN" altLang="en-US"/>
           </a:p>
         </p:txBody>
       </p:sp>
@@ -2140,7 +2259,6 @@
               <a:rPr lang="zh-CN" altLang="en-US"/>
               <a:t>单击此处编辑母版文本样式</a:t>
             </a:r>
-            <a:endParaRPr lang="zh-CN" altLang="en-US"/>
           </a:p>
           <a:p>
             <a:pPr lvl="1"/>
@@ -2148,7 +2266,6 @@
               <a:rPr lang="zh-CN" altLang="en-US"/>
               <a:t>二级</a:t>
             </a:r>
-            <a:endParaRPr lang="zh-CN" altLang="en-US"/>
           </a:p>
           <a:p>
             <a:pPr lvl="2"/>
@@ -2156,7 +2273,6 @@
               <a:rPr lang="zh-CN" altLang="en-US"/>
               <a:t>三级</a:t>
             </a:r>
-            <a:endParaRPr lang="zh-CN" altLang="en-US"/>
           </a:p>
           <a:p>
             <a:pPr lvl="3"/>
@@ -2164,7 +2280,6 @@
               <a:rPr lang="zh-CN" altLang="en-US"/>
               <a:t>四级</a:t>
             </a:r>
-            <a:endParaRPr lang="zh-CN" altLang="en-US"/>
           </a:p>
           <a:p>
             <a:pPr lvl="4"/>
@@ -2172,7 +2287,6 @@
               <a:rPr lang="zh-CN" altLang="en-US"/>
               <a:t>五级</a:t>
             </a:r>
-            <a:endParaRPr lang="zh-CN" altLang="en-US"/>
           </a:p>
         </p:txBody>
       </p:sp>
@@ -2193,6 +2307,7 @@
           <a:p>
             <a:fld id="{68FEBCDA-DA3C-452F-A02F-7CDC5223E7BC}" type="datetimeFigureOut">
               <a:rPr lang="zh-CN" altLang="en-US" smtClean="0"/>
+              <a:t>2020-11-09</a:t>
             </a:fld>
             <a:endParaRPr lang="zh-CN" altLang="en-US"/>
           </a:p>
@@ -2234,6 +2349,7 @@
           <a:p>
             <a:fld id="{A9C8B515-BDAE-4B7E-9C19-375623BB3987}" type="slidenum">
               <a:rPr lang="zh-CN" altLang="en-US" smtClean="0"/>
+              <a:t>‹#›</a:t>
             </a:fld>
             <a:endParaRPr lang="zh-CN" altLang="en-US"/>
           </a:p>
@@ -2286,7 +2402,6 @@
               <a:rPr lang="zh-CN" altLang="en-US"/>
               <a:t>单击此处编辑母版标题样式</a:t>
             </a:r>
-            <a:endParaRPr lang="zh-CN" altLang="en-US"/>
           </a:p>
         </p:txBody>
       </p:sp>
@@ -2307,6 +2422,7 @@
           <a:p>
             <a:fld id="{68FEBCDA-DA3C-452F-A02F-7CDC5223E7BC}" type="datetimeFigureOut">
               <a:rPr lang="zh-CN" altLang="en-US" smtClean="0"/>
+              <a:t>2020-11-09</a:t>
             </a:fld>
             <a:endParaRPr lang="zh-CN" altLang="en-US"/>
           </a:p>
@@ -2348,6 +2464,7 @@
           <a:p>
             <a:fld id="{A9C8B515-BDAE-4B7E-9C19-375623BB3987}" type="slidenum">
               <a:rPr lang="zh-CN" altLang="en-US" smtClean="0"/>
+              <a:t>‹#›</a:t>
             </a:fld>
             <a:endParaRPr lang="zh-CN" altLang="en-US"/>
           </a:p>
@@ -2398,6 +2515,7 @@
           <a:p>
             <a:fld id="{68FEBCDA-DA3C-452F-A02F-7CDC5223E7BC}" type="datetimeFigureOut">
               <a:rPr lang="zh-CN" altLang="en-US" smtClean="0"/>
+              <a:t>2020-11-09</a:t>
             </a:fld>
             <a:endParaRPr lang="zh-CN" altLang="en-US"/>
           </a:p>
@@ -2439,6 +2557,7 @@
           <a:p>
             <a:fld id="{A9C8B515-BDAE-4B7E-9C19-375623BB3987}" type="slidenum">
               <a:rPr lang="zh-CN" altLang="en-US" smtClean="0"/>
+              <a:t>‹#›</a:t>
             </a:fld>
             <a:endParaRPr lang="zh-CN" altLang="en-US"/>
           </a:p>
@@ -2500,7 +2619,6 @@
               <a:rPr lang="zh-CN" altLang="en-US"/>
               <a:t>单击此处编辑母版标题样式</a:t>
             </a:r>
-            <a:endParaRPr lang="zh-CN" altLang="en-US"/>
           </a:p>
         </p:txBody>
       </p:sp>
@@ -2557,7 +2675,6 @@
               <a:rPr lang="zh-CN" altLang="en-US"/>
               <a:t>单击此处编辑母版文本样式</a:t>
             </a:r>
-            <a:endParaRPr lang="zh-CN" altLang="en-US"/>
           </a:p>
           <a:p>
             <a:pPr lvl="1"/>
@@ -2565,7 +2682,6 @@
               <a:rPr lang="zh-CN" altLang="en-US"/>
               <a:t>二级</a:t>
             </a:r>
-            <a:endParaRPr lang="zh-CN" altLang="en-US"/>
           </a:p>
           <a:p>
             <a:pPr lvl="2"/>
@@ -2573,7 +2689,6 @@
               <a:rPr lang="zh-CN" altLang="en-US"/>
               <a:t>三级</a:t>
             </a:r>
-            <a:endParaRPr lang="zh-CN" altLang="en-US"/>
           </a:p>
           <a:p>
             <a:pPr lvl="3"/>
@@ -2581,7 +2696,6 @@
               <a:rPr lang="zh-CN" altLang="en-US"/>
               <a:t>四级</a:t>
             </a:r>
-            <a:endParaRPr lang="zh-CN" altLang="en-US"/>
           </a:p>
           <a:p>
             <a:pPr lvl="4"/>
@@ -2589,7 +2703,6 @@
               <a:rPr lang="zh-CN" altLang="en-US"/>
               <a:t>五级</a:t>
             </a:r>
-            <a:endParaRPr lang="zh-CN" altLang="en-US"/>
           </a:p>
         </p:txBody>
       </p:sp>
@@ -2655,7 +2768,6 @@
               <a:rPr lang="zh-CN" altLang="en-US"/>
               <a:t>单击此处编辑母版文本样式</a:t>
             </a:r>
-            <a:endParaRPr lang="zh-CN" altLang="en-US"/>
           </a:p>
         </p:txBody>
       </p:sp>
@@ -2676,6 +2788,7 @@
           <a:p>
             <a:fld id="{68FEBCDA-DA3C-452F-A02F-7CDC5223E7BC}" type="datetimeFigureOut">
               <a:rPr lang="zh-CN" altLang="en-US" smtClean="0"/>
+              <a:t>2020-11-09</a:t>
             </a:fld>
             <a:endParaRPr lang="zh-CN" altLang="en-US"/>
           </a:p>
@@ -2717,6 +2830,7 @@
           <a:p>
             <a:fld id="{A9C8B515-BDAE-4B7E-9C19-375623BB3987}" type="slidenum">
               <a:rPr lang="zh-CN" altLang="en-US" smtClean="0"/>
+              <a:t>‹#›</a:t>
             </a:fld>
             <a:endParaRPr lang="zh-CN" altLang="en-US"/>
           </a:p>
@@ -2778,7 +2892,6 @@
               <a:rPr lang="zh-CN" altLang="en-US"/>
               <a:t>单击此处编辑母版标题样式</a:t>
             </a:r>
-            <a:endParaRPr lang="zh-CN" altLang="en-US"/>
           </a:p>
         </p:txBody>
       </p:sp>
@@ -2905,7 +3018,6 @@
               <a:rPr lang="zh-CN" altLang="en-US"/>
               <a:t>单击此处编辑母版文本样式</a:t>
             </a:r>
-            <a:endParaRPr lang="zh-CN" altLang="en-US"/>
           </a:p>
         </p:txBody>
       </p:sp>
@@ -2926,6 +3038,7 @@
           <a:p>
             <a:fld id="{68FEBCDA-DA3C-452F-A02F-7CDC5223E7BC}" type="datetimeFigureOut">
               <a:rPr lang="zh-CN" altLang="en-US" smtClean="0"/>
+              <a:t>2020-11-09</a:t>
             </a:fld>
             <a:endParaRPr lang="zh-CN" altLang="en-US"/>
           </a:p>
@@ -2967,6 +3080,7 @@
           <a:p>
             <a:fld id="{A9C8B515-BDAE-4B7E-9C19-375623BB3987}" type="slidenum">
               <a:rPr lang="zh-CN" altLang="en-US" smtClean="0"/>
+              <a:t>‹#›</a:t>
             </a:fld>
             <a:endParaRPr lang="zh-CN" altLang="en-US"/>
           </a:p>
@@ -3034,7 +3148,6 @@
               <a:rPr lang="zh-CN" altLang="en-US"/>
               <a:t>单击此处编辑母版标题样式</a:t>
             </a:r>
-            <a:endParaRPr lang="zh-CN" altLang="en-US"/>
           </a:p>
         </p:txBody>
       </p:sp>
@@ -3068,7 +3181,6 @@
               <a:rPr lang="zh-CN" altLang="en-US"/>
               <a:t>单击此处编辑母版文本样式</a:t>
             </a:r>
-            <a:endParaRPr lang="zh-CN" altLang="en-US"/>
           </a:p>
           <a:p>
             <a:pPr lvl="1"/>
@@ -3076,7 +3188,6 @@
               <a:rPr lang="zh-CN" altLang="en-US"/>
               <a:t>二级</a:t>
             </a:r>
-            <a:endParaRPr lang="zh-CN" altLang="en-US"/>
           </a:p>
           <a:p>
             <a:pPr lvl="2"/>
@@ -3084,7 +3195,6 @@
               <a:rPr lang="zh-CN" altLang="en-US"/>
               <a:t>三级</a:t>
             </a:r>
-            <a:endParaRPr lang="zh-CN" altLang="en-US"/>
           </a:p>
           <a:p>
             <a:pPr lvl="3"/>
@@ -3092,7 +3202,6 @@
               <a:rPr lang="zh-CN" altLang="en-US"/>
               <a:t>四级</a:t>
             </a:r>
-            <a:endParaRPr lang="zh-CN" altLang="en-US"/>
           </a:p>
           <a:p>
             <a:pPr lvl="4"/>
@@ -3100,7 +3209,6 @@
               <a:rPr lang="zh-CN" altLang="en-US"/>
               <a:t>五级</a:t>
             </a:r>
-            <a:endParaRPr lang="zh-CN" altLang="en-US"/>
           </a:p>
         </p:txBody>
       </p:sp>
@@ -3139,6 +3247,7 @@
           <a:p>
             <a:fld id="{68FEBCDA-DA3C-452F-A02F-7CDC5223E7BC}" type="datetimeFigureOut">
               <a:rPr lang="zh-CN" altLang="en-US" smtClean="0"/>
+              <a:t>2020-11-09</a:t>
             </a:fld>
             <a:endParaRPr lang="zh-CN" altLang="en-US"/>
           </a:p>
@@ -3216,6 +3325,7 @@
           <a:p>
             <a:fld id="{A9C8B515-BDAE-4B7E-9C19-375623BB3987}" type="slidenum">
               <a:rPr lang="zh-CN" altLang="en-US" smtClean="0"/>
+              <a:t>‹#›</a:t>
             </a:fld>
             <a:endParaRPr lang="zh-CN" altLang="en-US"/>
           </a:p>
@@ -3564,7 +3674,6 @@
               <a:rPr lang="zh-CN" altLang="en-US" dirty="0"/>
               <a:t>课堂签到系统</a:t>
             </a:r>
-            <a:endParaRPr lang="zh-CN" altLang="en-US" dirty="0"/>
           </a:p>
         </p:txBody>
       </p:sp>
@@ -3605,7 +3714,6 @@
               <a:rPr lang="en-US" altLang="zh-CN" dirty="0"/>
               <a:t>APP</a:t>
             </a:r>
-            <a:endParaRPr lang="en-US" altLang="zh-CN" dirty="0"/>
           </a:p>
           <a:p>
             <a:pPr algn="l"/>
@@ -3625,7 +3733,6 @@
               <a:rPr lang="en-US" altLang="zh-CN" dirty="0"/>
               <a:t>APP</a:t>
             </a:r>
-            <a:endParaRPr lang="en-US" altLang="zh-CN" dirty="0"/>
           </a:p>
           <a:p>
             <a:pPr algn="l"/>
@@ -3641,7 +3748,6 @@
               <a:rPr lang="zh-CN" altLang="en-US" dirty="0"/>
               <a:t>端</a:t>
             </a:r>
-            <a:endParaRPr lang="zh-CN" altLang="en-US" dirty="0"/>
           </a:p>
         </p:txBody>
       </p:sp>
@@ -3692,7 +3798,6 @@
               <a:rPr lang="zh-CN" altLang="en-US" dirty="0"/>
               <a:t>数据库设计初始版</a:t>
             </a:r>
-            <a:endParaRPr lang="zh-CN" altLang="en-US" dirty="0"/>
           </a:p>
         </p:txBody>
       </p:sp>
@@ -3720,7 +3825,6 @@
               <a:rPr lang="zh-CN" dirty="0"/>
               <a:t>学生表：</a:t>
             </a:r>
-            <a:endParaRPr lang="zh-CN" dirty="0"/>
           </a:p>
           <a:p>
             <a:pPr lvl="1"/>
@@ -3728,14 +3832,12 @@
               <a:rPr lang="zh-CN" dirty="0"/>
               <a:t>学号，密码，姓名，专业，年级，班级</a:t>
             </a:r>
-            <a:endParaRPr lang="zh-CN" dirty="0"/>
           </a:p>
           <a:p>
             <a:r>
               <a:rPr lang="zh-CN" altLang="en-US" dirty="0"/>
               <a:t>教师表：</a:t>
             </a:r>
-            <a:endParaRPr lang="zh-CN" altLang="en-US" dirty="0"/>
           </a:p>
           <a:p>
             <a:pPr lvl="1"/>
@@ -3743,14 +3845,12 @@
               <a:rPr lang="zh-CN" altLang="en-US" sz="2400" dirty="0"/>
               <a:t>学工号，密码，姓名，介绍</a:t>
             </a:r>
-            <a:endParaRPr lang="zh-CN" altLang="en-US" sz="2400" dirty="0"/>
           </a:p>
           <a:p>
             <a:r>
               <a:rPr lang="zh-CN" altLang="en-US" dirty="0"/>
               <a:t>班级表</a:t>
             </a:r>
-            <a:endParaRPr lang="zh-CN" altLang="en-US" dirty="0"/>
           </a:p>
           <a:p>
             <a:pPr lvl="1"/>
@@ -3765,21 +3865,18 @@
               <a:rPr lang="zh-CN" altLang="en-US" dirty="0"/>
               <a:t>学生班级关联表</a:t>
             </a:r>
-            <a:endParaRPr lang="zh-CN" altLang="en-US" dirty="0"/>
           </a:p>
           <a:p>
             <a:r>
               <a:rPr lang="zh-CN" altLang="en-US" dirty="0"/>
               <a:t>教师班级关联表</a:t>
             </a:r>
-            <a:endParaRPr lang="zh-CN" altLang="en-US" dirty="0"/>
           </a:p>
           <a:p>
             <a:r>
               <a:rPr lang="zh-CN" altLang="en-US" dirty="0"/>
               <a:t>签到表</a:t>
             </a:r>
-            <a:endParaRPr lang="zh-CN" altLang="en-US" dirty="0"/>
           </a:p>
           <a:p>
             <a:pPr lvl="1"/>
@@ -3787,7 +3884,6 @@
               <a:rPr lang="zh-CN" altLang="en-US" dirty="0"/>
               <a:t>学号，班级号，是否签到（0旷1到），签到开始时间，签到时间</a:t>
             </a:r>
-            <a:endParaRPr lang="zh-CN" altLang="en-US" dirty="0"/>
           </a:p>
           <a:p>
             <a:pPr lvl="1"/>
@@ -3846,9 +3942,12 @@
           <a:p>
             <a:r>
               <a:rPr lang="zh-CN" altLang="en-US" dirty="0"/>
-              <a:t>数据库设计优化版</a:t>
-            </a:r>
-            <a:endParaRPr lang="zh-CN" altLang="en-US" dirty="0"/>
+              <a:t>数据库设计</a:t>
+            </a:r>
+            <a:r>
+              <a:rPr lang="zh-CN" altLang="en-US" b="1" dirty="0"/>
+              <a:t>优化版</a:t>
+            </a:r>
           </a:p>
         </p:txBody>
       </p:sp>
@@ -3879,7 +3978,6 @@
               <a:rPr lang="zh-CN" altLang="en-US" dirty="0"/>
               <a:t>在进一步的思考后，我们明确了签到是由老师发起，再由学生来进行签到的，所以只有在教师端进行发起签到之后才能写入签到开始时间，于是我们将签到表进行了拆分，并与教师表进行关联。</a:t>
             </a:r>
-            <a:endParaRPr lang="zh-CN" altLang="en-US" dirty="0"/>
           </a:p>
           <a:p>
             <a:pPr marL="0" indent="0">
@@ -3890,38 +3988,29 @@
           <a:p>
             <a:r>
               <a:rPr lang="zh-CN" altLang="en-US" dirty="0"/>
+              <a:t>教师发布签到表：</a:t>
+            </a:r>
+          </a:p>
+          <a:p>
+            <a:pPr lvl="1"/>
+            <a:r>
+              <a:rPr lang="zh-CN" altLang="en-US" dirty="0"/>
+              <a:t>职工号(外键)，班级号(外键)，发布时间，签到码（后台自动生成并展示给老师，老师告诉学生）</a:t>
+            </a:r>
+            <a:endParaRPr lang="en-US" altLang="zh-CN" dirty="0"/>
+          </a:p>
+          <a:p>
+            <a:r>
+              <a:rPr lang="zh-CN" altLang="en-US" dirty="0"/>
               <a:t>学生签到表：</a:t>
             </a:r>
-            <a:endParaRPr lang="zh-CN" altLang="en-US" dirty="0"/>
           </a:p>
           <a:p>
             <a:pPr lvl="1"/>
             <a:r>
               <a:rPr lang="zh-CN" altLang="en-US" dirty="0"/>
-              <a:t>学生学号(外键)，班级号(外键)，签到码，签到时间</a:t>
-            </a:r>
-            <a:endParaRPr lang="zh-CN" altLang="en-US" dirty="0"/>
-          </a:p>
-          <a:p>
-            <a:r>
-              <a:rPr lang="zh-CN" altLang="en-US" dirty="0"/>
-              <a:t>教师发布签到表：</a:t>
-            </a:r>
-            <a:endParaRPr lang="zh-CN" altLang="en-US" dirty="0"/>
-          </a:p>
-          <a:p>
-            <a:pPr lvl="1"/>
-            <a:r>
-              <a:rPr lang="zh-CN" altLang="en-US" dirty="0"/>
-              <a:t>职工号(外键)，班级号(外键)，发布时间，签到码</a:t>
-            </a:r>
-            <a:endParaRPr lang="zh-CN" altLang="en-US" dirty="0"/>
-          </a:p>
-          <a:p>
-            <a:pPr marL="0" lvl="0" indent="0">
-              <a:buFont typeface="Arial" panose="020B0604020202020204" pitchFamily="34" charset="0"/>
-              <a:buNone/>
-            </a:pPr>
+              <a:t>学生学号(外键)，班级号(外键)，签到码，签到时间，经度，纬度</a:t>
+            </a:r>
             <a:endParaRPr lang="zh-CN" altLang="en-US" dirty="0">
               <a:solidFill>
                 <a:schemeClr val="tx1"/>
@@ -4011,28 +4100,33 @@
               <a:rPr lang="zh-CN" altLang="en-US" dirty="0"/>
               <a:t>图</a:t>
             </a:r>
-            <a:endParaRPr lang="zh-CN" altLang="en-US" dirty="0"/>
           </a:p>
         </p:txBody>
       </p:sp>
       <p:pic>
         <p:nvPicPr>
-          <p:cNvPr id="5" name="图片 4"/>
+          <p:cNvPr id="3" name="图片 2">
+            <a:extLst>
+              <a:ext uri="{FF2B5EF4-FFF2-40B4-BE49-F238E27FC236}">
+                <a16:creationId xmlns:a16="http://schemas.microsoft.com/office/drawing/2014/main" id="{4BF08A99-8864-4DDE-9E8F-57D4446CB06F}"/>
+              </a:ext>
+            </a:extLst>
+          </p:cNvPr>
           <p:cNvPicPr>
             <a:picLocks noChangeAspect="1"/>
           </p:cNvPicPr>
           <p:nvPr/>
         </p:nvPicPr>
         <p:blipFill>
-          <a:blip r:embed="rId1"/>
+          <a:blip r:embed="rId2"/>
           <a:stretch>
             <a:fillRect/>
           </a:stretch>
         </p:blipFill>
         <p:spPr>
           <a:xfrm>
-            <a:off x="2744763" y="546755"/>
-            <a:ext cx="8840108" cy="5851137"/>
+            <a:off x="3052476" y="579079"/>
+            <a:ext cx="8899071" cy="5913796"/>
           </a:xfrm>
           <a:prstGeom prst="rect">
             <a:avLst/>
@@ -4090,7 +4184,6 @@
               <a:rPr lang="zh-CN" altLang="en-US" dirty="0"/>
               <a:t>图</a:t>
             </a:r>
-            <a:endParaRPr lang="zh-CN" altLang="en-US" dirty="0"/>
           </a:p>
         </p:txBody>
       </p:sp>
@@ -4103,7 +4196,7 @@
           <p:nvPr/>
         </p:nvPicPr>
         <p:blipFill>
-          <a:blip r:embed="rId1">
+          <a:blip r:embed="rId2">
             <a:extLst>
               <a:ext uri="{28A0092B-C50C-407E-A947-70E740481C1C}">
                 <a14:useLocalDpi xmlns:a14="http://schemas.microsoft.com/office/drawing/2010/main" val="0"/>
@@ -4154,7 +4247,13 @@
       </p:grpSpPr>
       <p:sp>
         <p:nvSpPr>
-          <p:cNvPr id="2" name="标题 1"/>
+          <p:cNvPr id="2" name="标题 1">
+            <a:extLst>
+              <a:ext uri="{FF2B5EF4-FFF2-40B4-BE49-F238E27FC236}">
+                <a16:creationId xmlns:a16="http://schemas.microsoft.com/office/drawing/2014/main" id="{B8349E6C-FE8F-49BD-B01F-C4AB0DF67C6E}"/>
+              </a:ext>
+            </a:extLst>
+          </p:cNvPr>
           <p:cNvSpPr>
             <a:spLocks noGrp="1"/>
           </p:cNvSpPr>
@@ -4167,13 +4266,22 @@
           <a:bodyPr/>
           <a:lstStyle/>
           <a:p>
-            <a:endParaRPr lang="zh-CN" altLang="en-US" dirty="0"/>
-          </a:p>
-        </p:txBody>
-      </p:sp>
-      <p:sp>
-        <p:nvSpPr>
-          <p:cNvPr id="3" name="内容占位符 2"/>
+            <a:r>
+              <a:rPr lang="zh-CN" altLang="en-US" dirty="0"/>
+              <a:t>签到传输数据</a:t>
+            </a:r>
+          </a:p>
+        </p:txBody>
+      </p:sp>
+      <p:sp>
+        <p:nvSpPr>
+          <p:cNvPr id="3" name="内容占位符 2">
+            <a:extLst>
+              <a:ext uri="{FF2B5EF4-FFF2-40B4-BE49-F238E27FC236}">
+                <a16:creationId xmlns:a16="http://schemas.microsoft.com/office/drawing/2014/main" id="{D1540B8F-9E6F-4913-88FA-B819B7174405}"/>
+              </a:ext>
+            </a:extLst>
+          </p:cNvPr>
           <p:cNvSpPr>
             <a:spLocks noGrp="1"/>
           </p:cNvSpPr>
@@ -4186,11 +4294,457 @@
           <a:bodyPr/>
           <a:lstStyle/>
           <a:p>
-            <a:endParaRPr lang="zh-CN" altLang="en-US" dirty="0"/>
+            <a:r>
+              <a:rPr lang="zh-CN" altLang="en-US" dirty="0"/>
+              <a:t>老师的职工号、学生的学号等信息在第一次使用</a:t>
+            </a:r>
+            <a:r>
+              <a:rPr lang="en-US" altLang="zh-CN" dirty="0"/>
+              <a:t>app</a:t>
+            </a:r>
+            <a:r>
+              <a:rPr lang="zh-CN" altLang="en-US" dirty="0"/>
+              <a:t>时保存到手机本地</a:t>
+            </a:r>
+            <a:r>
+              <a:rPr lang="en-US" altLang="zh-CN" dirty="0" err="1"/>
+              <a:t>sqlite</a:t>
+            </a:r>
+            <a:r>
+              <a:rPr lang="zh-CN" altLang="en-US" dirty="0"/>
+              <a:t>数据库中</a:t>
+            </a:r>
+            <a:endParaRPr lang="en-US" altLang="zh-CN" dirty="0"/>
+          </a:p>
+          <a:p>
+            <a:r>
+              <a:rPr lang="zh-CN" altLang="en-US" dirty="0"/>
+              <a:t>每次发送请求到后台时，都会带上这些信息，避免需要反复填写</a:t>
+            </a:r>
+            <a:endParaRPr lang="en-US" altLang="zh-CN" dirty="0"/>
           </a:p>
         </p:txBody>
       </p:sp>
     </p:spTree>
+    <p:extLst>
+      <p:ext uri="{BB962C8B-B14F-4D97-AF65-F5344CB8AC3E}">
+        <p14:creationId xmlns:p14="http://schemas.microsoft.com/office/powerpoint/2010/main" val="2600254531"/>
+      </p:ext>
+    </p:extLst>
+  </p:cSld>
+  <p:clrMapOvr>
+    <a:masterClrMapping/>
+  </p:clrMapOvr>
+  <p:transition>
+    <p:push/>
+  </p:transition>
+</p:sld>
+</file>
+
+<file path=ppt/slides/slide15.xml><?xml version="1.0" encoding="utf-8"?>
+<p:sld xmlns:a="http://schemas.openxmlformats.org/drawingml/2006/main" xmlns:r="http://schemas.openxmlformats.org/officeDocument/2006/relationships" xmlns:p="http://schemas.openxmlformats.org/presentationml/2006/main">
+  <p:cSld>
+    <p:spTree>
+      <p:nvGrpSpPr>
+        <p:cNvPr id="1" name=""/>
+        <p:cNvGrpSpPr/>
+        <p:nvPr/>
+      </p:nvGrpSpPr>
+      <p:grpSpPr>
+        <a:xfrm>
+          <a:off x="0" y="0"/>
+          <a:ext cx="0" cy="0"/>
+          <a:chOff x="0" y="0"/>
+          <a:chExt cx="0" cy="0"/>
+        </a:xfrm>
+      </p:grpSpPr>
+      <p:sp>
+        <p:nvSpPr>
+          <p:cNvPr id="2" name="标题 1">
+            <a:extLst>
+              <a:ext uri="{FF2B5EF4-FFF2-40B4-BE49-F238E27FC236}">
+                <a16:creationId xmlns:a16="http://schemas.microsoft.com/office/drawing/2014/main" id="{723EB0D1-58F0-4A73-B1D7-63AD3005A215}"/>
+              </a:ext>
+            </a:extLst>
+          </p:cNvPr>
+          <p:cNvSpPr>
+            <a:spLocks noGrp="1"/>
+          </p:cNvSpPr>
+          <p:nvPr>
+            <p:ph type="title"/>
+          </p:nvPr>
+        </p:nvSpPr>
+        <p:spPr/>
+        <p:txBody>
+          <a:bodyPr/>
+          <a:lstStyle/>
+          <a:p>
+            <a:r>
+              <a:rPr lang="zh-CN" altLang="en-US" dirty="0"/>
+              <a:t>老师查看签到历史</a:t>
+            </a:r>
+          </a:p>
+        </p:txBody>
+      </p:sp>
+      <p:sp>
+        <p:nvSpPr>
+          <p:cNvPr id="3" name="内容占位符 2">
+            <a:extLst>
+              <a:ext uri="{FF2B5EF4-FFF2-40B4-BE49-F238E27FC236}">
+                <a16:creationId xmlns:a16="http://schemas.microsoft.com/office/drawing/2014/main" id="{C29614AD-37AB-47AB-9E53-9A1E94980B68}"/>
+              </a:ext>
+            </a:extLst>
+          </p:cNvPr>
+          <p:cNvSpPr>
+            <a:spLocks noGrp="1"/>
+          </p:cNvSpPr>
+          <p:nvPr>
+            <p:ph idx="1"/>
+          </p:nvPr>
+        </p:nvSpPr>
+        <p:spPr/>
+        <p:txBody>
+          <a:bodyPr/>
+          <a:lstStyle/>
+          <a:p>
+            <a:r>
+              <a:rPr lang="zh-CN" altLang="en-US" dirty="0"/>
+              <a:t>根据老师发起签到表中的</a:t>
+            </a:r>
+            <a:r>
+              <a:rPr lang="en-US" altLang="zh-CN" dirty="0" err="1"/>
+              <a:t>start_time</a:t>
+            </a:r>
+            <a:r>
+              <a:rPr lang="zh-CN" altLang="en-US" dirty="0"/>
+              <a:t>字段递增即可查看每一次签到</a:t>
+            </a:r>
+          </a:p>
+        </p:txBody>
+      </p:sp>
+    </p:spTree>
+    <p:extLst>
+      <p:ext uri="{BB962C8B-B14F-4D97-AF65-F5344CB8AC3E}">
+        <p14:creationId xmlns:p14="http://schemas.microsoft.com/office/powerpoint/2010/main" val="83687604"/>
+      </p:ext>
+    </p:extLst>
+  </p:cSld>
+  <p:clrMapOvr>
+    <a:masterClrMapping/>
+  </p:clrMapOvr>
+  <p:transition>
+    <p:push/>
+  </p:transition>
+</p:sld>
+</file>
+
+<file path=ppt/slides/slide16.xml><?xml version="1.0" encoding="utf-8"?>
+<p:sld xmlns:a="http://schemas.openxmlformats.org/drawingml/2006/main" xmlns:r="http://schemas.openxmlformats.org/officeDocument/2006/relationships" xmlns:p="http://schemas.openxmlformats.org/presentationml/2006/main">
+  <p:cSld>
+    <p:spTree>
+      <p:nvGrpSpPr>
+        <p:cNvPr id="1" name=""/>
+        <p:cNvGrpSpPr/>
+        <p:nvPr/>
+      </p:nvGrpSpPr>
+      <p:grpSpPr>
+        <a:xfrm>
+          <a:off x="0" y="0"/>
+          <a:ext cx="0" cy="0"/>
+          <a:chOff x="0" y="0"/>
+          <a:chExt cx="0" cy="0"/>
+        </a:xfrm>
+      </p:grpSpPr>
+      <p:sp>
+        <p:nvSpPr>
+          <p:cNvPr id="2" name="标题 1">
+            <a:extLst>
+              <a:ext uri="{FF2B5EF4-FFF2-40B4-BE49-F238E27FC236}">
+                <a16:creationId xmlns:a16="http://schemas.microsoft.com/office/drawing/2014/main" id="{7B344494-A3FC-42C7-9E1C-76C5247531D5}"/>
+              </a:ext>
+            </a:extLst>
+          </p:cNvPr>
+          <p:cNvSpPr>
+            <a:spLocks noGrp="1"/>
+          </p:cNvSpPr>
+          <p:nvPr>
+            <p:ph type="title"/>
+          </p:nvPr>
+        </p:nvSpPr>
+        <p:spPr>
+          <a:xfrm>
+            <a:off x="838200" y="18255"/>
+            <a:ext cx="10515600" cy="1325563"/>
+          </a:xfrm>
+        </p:spPr>
+        <p:txBody>
+          <a:bodyPr/>
+          <a:lstStyle/>
+          <a:p>
+            <a:r>
+              <a:rPr lang="zh-CN" altLang="en-US" dirty="0"/>
+              <a:t>一些示例语句（后期会优化）</a:t>
+            </a:r>
+          </a:p>
+        </p:txBody>
+      </p:sp>
+      <p:sp>
+        <p:nvSpPr>
+          <p:cNvPr id="3" name="内容占位符 2">
+            <a:extLst>
+              <a:ext uri="{FF2B5EF4-FFF2-40B4-BE49-F238E27FC236}">
+                <a16:creationId xmlns:a16="http://schemas.microsoft.com/office/drawing/2014/main" id="{551D3CFA-FD73-4F35-97D7-5D0FD2AC426F}"/>
+              </a:ext>
+            </a:extLst>
+          </p:cNvPr>
+          <p:cNvSpPr>
+            <a:spLocks noGrp="1"/>
+          </p:cNvSpPr>
+          <p:nvPr>
+            <p:ph idx="1"/>
+          </p:nvPr>
+        </p:nvSpPr>
+        <p:spPr>
+          <a:xfrm>
+            <a:off x="838200" y="1253331"/>
+            <a:ext cx="10515600" cy="4351338"/>
+          </a:xfrm>
+        </p:spPr>
+        <p:txBody>
+          <a:bodyPr>
+            <a:normAutofit fontScale="92500"/>
+          </a:bodyPr>
+          <a:lstStyle/>
+          <a:p>
+            <a:r>
+              <a:rPr lang="zh-CN" altLang="en-US" dirty="0"/>
+              <a:t>老师发布签到，写入数据库</a:t>
+            </a:r>
+            <a:endParaRPr lang="en-US" altLang="zh-CN" dirty="0"/>
+          </a:p>
+          <a:p>
+            <a:pPr lvl="1"/>
+            <a:r>
+              <a:rPr lang="en-US" altLang="zh-CN" dirty="0"/>
+              <a:t>Insert into </a:t>
+            </a:r>
+            <a:r>
+              <a:rPr lang="en-US" altLang="zh-CN" dirty="0" err="1"/>
+              <a:t>OpenClass</a:t>
+            </a:r>
+            <a:r>
+              <a:rPr lang="en-US" altLang="zh-CN" dirty="0"/>
+              <a:t> values(</a:t>
+            </a:r>
+            <a:r>
+              <a:rPr lang="zh-CN" altLang="en-US" dirty="0"/>
+              <a:t>职工号，课程号，签到码，发布签到时间</a:t>
+            </a:r>
+            <a:r>
+              <a:rPr lang="en-US" altLang="zh-CN" dirty="0"/>
+              <a:t>);</a:t>
+            </a:r>
+          </a:p>
+          <a:p>
+            <a:r>
+              <a:rPr lang="zh-CN" altLang="en-US" dirty="0"/>
+              <a:t>学生成功签到，写入数据库</a:t>
+            </a:r>
+            <a:endParaRPr lang="en-US" altLang="zh-CN" dirty="0"/>
+          </a:p>
+          <a:p>
+            <a:pPr lvl="1"/>
+            <a:r>
+              <a:rPr lang="en-US" altLang="zh-CN" dirty="0"/>
+              <a:t>Insert into </a:t>
+            </a:r>
+            <a:r>
+              <a:rPr lang="en-US" altLang="zh-CN" dirty="0" err="1"/>
+              <a:t>SignUp</a:t>
+            </a:r>
+            <a:r>
+              <a:rPr lang="en-US" altLang="zh-CN" dirty="0"/>
+              <a:t> values(</a:t>
+            </a:r>
+            <a:r>
+              <a:rPr lang="zh-CN" altLang="en-US" dirty="0"/>
+              <a:t>学号，课程号，实际签到时间，签到码，经度，纬度</a:t>
+            </a:r>
+            <a:r>
+              <a:rPr lang="en-US" altLang="zh-CN" dirty="0"/>
+              <a:t>);</a:t>
+            </a:r>
+          </a:p>
+          <a:p>
+            <a:r>
+              <a:rPr lang="zh-CN" altLang="en-US" dirty="0"/>
+              <a:t>老师根据职工号和课程号查看历史签到信息</a:t>
+            </a:r>
+            <a:endParaRPr lang="en-US" altLang="zh-CN" dirty="0"/>
+          </a:p>
+          <a:p>
+            <a:pPr lvl="1"/>
+            <a:r>
+              <a:rPr lang="en-US" altLang="zh-CN" dirty="0"/>
+              <a:t>Select </a:t>
+            </a:r>
+            <a:r>
+              <a:rPr lang="zh-CN" altLang="en-US" dirty="0"/>
+              <a:t>发起签到时间，签到码</a:t>
+            </a:r>
+            <a:r>
+              <a:rPr lang="en-US" altLang="zh-CN" dirty="0"/>
+              <a:t> from </a:t>
+            </a:r>
+            <a:r>
+              <a:rPr lang="en-US" altLang="zh-CN" dirty="0" err="1"/>
+              <a:t>OpenClass</a:t>
+            </a:r>
+            <a:r>
+              <a:rPr lang="en-US" altLang="zh-CN" dirty="0"/>
+              <a:t>  where </a:t>
+            </a:r>
+            <a:r>
+              <a:rPr lang="en-US" altLang="zh-CN" dirty="0" err="1"/>
+              <a:t>tid</a:t>
+            </a:r>
+            <a:r>
+              <a:rPr lang="en-US" altLang="zh-CN" dirty="0"/>
+              <a:t>=</a:t>
+            </a:r>
+            <a:r>
+              <a:rPr lang="zh-CN" altLang="en-US" dirty="0"/>
+              <a:t>职工号 </a:t>
+            </a:r>
+            <a:r>
+              <a:rPr lang="en-US" altLang="zh-CN" dirty="0"/>
+              <a:t>and </a:t>
+            </a:r>
+            <a:r>
+              <a:rPr lang="en-US" altLang="zh-CN" dirty="0" err="1"/>
+              <a:t>cid</a:t>
+            </a:r>
+            <a:r>
+              <a:rPr lang="en-US" altLang="zh-CN" dirty="0"/>
+              <a:t>=</a:t>
+            </a:r>
+            <a:r>
+              <a:rPr lang="zh-CN" altLang="en-US" dirty="0"/>
+              <a:t>课程号</a:t>
+            </a:r>
+            <a:r>
+              <a:rPr lang="en-US" altLang="zh-CN" dirty="0"/>
+              <a:t> order by </a:t>
+            </a:r>
+            <a:r>
+              <a:rPr lang="en-US" altLang="zh-CN" dirty="0" err="1"/>
+              <a:t>start_time</a:t>
+            </a:r>
+            <a:r>
+              <a:rPr lang="en-US" altLang="zh-CN" dirty="0"/>
+              <a:t>; </a:t>
+            </a:r>
+          </a:p>
+          <a:p>
+            <a:r>
+              <a:rPr lang="zh-CN" altLang="en-US" dirty="0"/>
+              <a:t>老师根据签到码和课程号查看旷课学生</a:t>
+            </a:r>
+            <a:endParaRPr lang="en-US" altLang="zh-CN" dirty="0"/>
+          </a:p>
+          <a:p>
+            <a:pPr lvl="1"/>
+            <a:r>
+              <a:rPr lang="en-US" altLang="zh-CN" dirty="0"/>
+              <a:t>Select * from Student where </a:t>
+            </a:r>
+            <a:r>
+              <a:rPr lang="en-US" altLang="zh-CN" dirty="0" err="1"/>
+              <a:t>sid</a:t>
+            </a:r>
+            <a:r>
+              <a:rPr lang="en-US" altLang="zh-CN" dirty="0"/>
+              <a:t> not in (select </a:t>
+            </a:r>
+            <a:r>
+              <a:rPr lang="en-US" altLang="zh-CN" dirty="0" err="1"/>
+              <a:t>sid</a:t>
+            </a:r>
+            <a:r>
+              <a:rPr lang="en-US" altLang="zh-CN" dirty="0"/>
+              <a:t> from </a:t>
+            </a:r>
+            <a:r>
+              <a:rPr lang="en-US" altLang="zh-CN" dirty="0" err="1"/>
+              <a:t>SignUp</a:t>
+            </a:r>
+            <a:r>
+              <a:rPr lang="en-US" altLang="zh-CN" dirty="0"/>
+              <a:t> where version=</a:t>
+            </a:r>
+            <a:r>
+              <a:rPr lang="zh-CN" altLang="en-US" dirty="0"/>
+              <a:t>签到码</a:t>
+            </a:r>
+            <a:r>
+              <a:rPr lang="en-US" altLang="zh-CN" dirty="0"/>
+              <a:t>) and </a:t>
+            </a:r>
+            <a:r>
+              <a:rPr lang="en-US" altLang="zh-CN" dirty="0" err="1"/>
+              <a:t>sid</a:t>
+            </a:r>
+            <a:r>
+              <a:rPr lang="en-US" altLang="zh-CN" dirty="0"/>
+              <a:t> in (select </a:t>
+            </a:r>
+            <a:r>
+              <a:rPr lang="en-US" altLang="zh-CN" dirty="0" err="1"/>
+              <a:t>sid</a:t>
+            </a:r>
+            <a:r>
+              <a:rPr lang="en-US" altLang="zh-CN" dirty="0"/>
+              <a:t> from </a:t>
+            </a:r>
+            <a:r>
+              <a:rPr lang="en-US" altLang="zh-CN" dirty="0" err="1"/>
+              <a:t>StudentClass</a:t>
+            </a:r>
+            <a:r>
+              <a:rPr lang="en-US" altLang="zh-CN" dirty="0"/>
+              <a:t> where </a:t>
+            </a:r>
+            <a:r>
+              <a:rPr lang="en-US" altLang="zh-CN" dirty="0" err="1"/>
+              <a:t>cid</a:t>
+            </a:r>
+            <a:r>
+              <a:rPr lang="en-US" altLang="zh-CN" dirty="0"/>
+              <a:t>=</a:t>
+            </a:r>
+            <a:r>
+              <a:rPr lang="zh-CN" altLang="en-US" dirty="0"/>
+              <a:t>课程号</a:t>
+            </a:r>
+            <a:r>
+              <a:rPr lang="en-US" altLang="zh-CN" dirty="0"/>
+              <a:t>);</a:t>
+            </a:r>
+          </a:p>
+          <a:p>
+            <a:pPr marL="0" indent="0">
+              <a:buNone/>
+            </a:pPr>
+            <a:endParaRPr lang="en-US" altLang="zh-CN" dirty="0"/>
+          </a:p>
+        </p:txBody>
+      </p:sp>
+    </p:spTree>
+    <p:extLst>
+      <p:ext uri="{BB962C8B-B14F-4D97-AF65-F5344CB8AC3E}">
+        <p14:creationId xmlns:p14="http://schemas.microsoft.com/office/powerpoint/2010/main" val="2943377430"/>
+      </p:ext>
+    </p:extLst>
   </p:cSld>
   <p:clrMapOvr>
     <a:masterClrMapping/>
@@ -4237,7 +4791,6 @@
               <a:rPr lang="zh-CN" altLang="en-US" dirty="0"/>
               <a:t>功能流程</a:t>
             </a:r>
-            <a:endParaRPr lang="zh-CN" altLang="en-US" dirty="0"/>
           </a:p>
         </p:txBody>
       </p:sp>
@@ -4250,7 +4803,7 @@
           <p:nvPr/>
         </p:nvPicPr>
         <p:blipFill>
-          <a:blip r:embed="rId1">
+          <a:blip r:embed="rId2">
             <a:extLst>
               <a:ext uri="{28A0092B-C50C-407E-A947-70E740481C1C}">
                 <a14:useLocalDpi xmlns:a14="http://schemas.microsoft.com/office/drawing/2010/main" val="0"/>
@@ -4318,7 +4871,6 @@
               <a:rPr lang="zh-CN" altLang="en-US" dirty="0"/>
               <a:t>核心功能流程介绍</a:t>
             </a:r>
-            <a:endParaRPr lang="zh-CN" altLang="en-US" dirty="0"/>
           </a:p>
         </p:txBody>
       </p:sp>
@@ -4344,7 +4896,6 @@
               <a:rPr lang="zh-CN" altLang="en-US" dirty="0"/>
               <a:t>学生端：</a:t>
             </a:r>
-            <a:endParaRPr lang="zh-CN" altLang="en-US" dirty="0"/>
           </a:p>
           <a:p>
             <a:pPr marL="0" indent="0">
@@ -4358,7 +4909,6 @@
               <a:rPr lang="zh-CN" altLang="en-US" dirty="0"/>
               <a:t>加入课程：按照课程号加入课程</a:t>
             </a:r>
-            <a:endParaRPr lang="zh-CN" altLang="en-US" dirty="0"/>
           </a:p>
           <a:p>
             <a:pPr marL="0" indent="0">
@@ -4370,13 +4920,8 @@
             </a:r>
             <a:r>
               <a:rPr lang="zh-CN" altLang="en-US" dirty="0"/>
-              <a:t>课程</a:t>
-            </a:r>
-            <a:r>
-              <a:rPr lang="zh-CN" altLang="en-US" dirty="0"/>
-              <a:t>签到：按照教师给出的签到码进行签到</a:t>
-            </a:r>
-            <a:endParaRPr lang="zh-CN" altLang="en-US" dirty="0"/>
+              <a:t>课程签到：按照教师给出的签到码进行签到</a:t>
+            </a:r>
           </a:p>
           <a:p>
             <a:pPr marL="0" indent="0">
@@ -4388,9 +4933,8 @@
             </a:r>
             <a:r>
               <a:rPr lang="zh-CN" altLang="en-US" dirty="0"/>
-              <a:t>查看班级签到情况：按照时间给出签到列表</a:t>
-            </a:r>
-            <a:endParaRPr lang="zh-CN" altLang="en-US" dirty="0"/>
+              <a:t>查看个人签到历史情况：按照时间给出签到列表</a:t>
+            </a:r>
           </a:p>
           <a:p>
             <a:pPr marL="0" indent="0">
@@ -4410,7 +4954,6 @@
               <a:rPr lang="en-US" altLang="zh-CN" dirty="0"/>
               <a:t>	</a:t>
             </a:r>
-            <a:endParaRPr lang="en-US" altLang="zh-CN" dirty="0"/>
           </a:p>
         </p:txBody>
       </p:sp>
@@ -4461,7 +5004,6 @@
               <a:rPr lang="zh-CN" altLang="en-US" dirty="0"/>
               <a:t>核心功能流程介绍</a:t>
             </a:r>
-            <a:endParaRPr lang="zh-CN" altLang="en-US" dirty="0"/>
           </a:p>
         </p:txBody>
       </p:sp>
@@ -4487,7 +5029,6 @@
               <a:rPr lang="zh-CN" altLang="en-US" dirty="0"/>
               <a:t>教师端：</a:t>
             </a:r>
-            <a:endParaRPr lang="zh-CN" altLang="en-US" dirty="0"/>
           </a:p>
           <a:p>
             <a:pPr marL="0" indent="0">
@@ -4499,13 +5040,8 @@
             </a:r>
             <a:r>
               <a:rPr lang="zh-CN" altLang="en-US" dirty="0"/>
-              <a:t>创建</a:t>
-            </a:r>
-            <a:r>
-              <a:rPr lang="zh-CN" altLang="en-US" dirty="0"/>
-              <a:t>课程：填入课程信息，生成课程码</a:t>
-            </a:r>
-            <a:endParaRPr lang="zh-CN" altLang="en-US" dirty="0"/>
+              <a:t>创建课程：填入课程信息，生成课程码</a:t>
+            </a:r>
           </a:p>
           <a:p>
             <a:pPr marL="0" indent="0">
@@ -4519,7 +5055,6 @@
               <a:rPr lang="zh-CN" altLang="en-US" dirty="0"/>
               <a:t>课堂签到：发起签到，生成签到码</a:t>
             </a:r>
-            <a:endParaRPr lang="zh-CN" altLang="en-US" dirty="0"/>
           </a:p>
           <a:p>
             <a:pPr marL="0" indent="0">
@@ -4533,7 +5068,6 @@
               <a:rPr lang="zh-CN" altLang="en-US" dirty="0"/>
               <a:t>查看所有签到情况：按照时间列表给出所有学生签到情况</a:t>
             </a:r>
-            <a:endParaRPr lang="zh-CN" altLang="en-US" dirty="0"/>
           </a:p>
           <a:p>
             <a:pPr marL="0" indent="0">
@@ -4553,7 +5087,6 @@
               <a:rPr lang="en-US" altLang="zh-CN" dirty="0"/>
               <a:t>	</a:t>
             </a:r>
-            <a:endParaRPr lang="en-US" altLang="zh-CN" dirty="0"/>
           </a:p>
         </p:txBody>
       </p:sp>
@@ -4604,7 +5137,6 @@
               <a:rPr lang="zh-CN" altLang="en-US" dirty="0"/>
               <a:t>核心功能流程介绍</a:t>
             </a:r>
-            <a:endParaRPr lang="zh-CN" altLang="en-US" dirty="0"/>
           </a:p>
         </p:txBody>
       </p:sp>
@@ -4634,7 +5166,6 @@
               <a:rPr lang="zh-CN" altLang="en-US" dirty="0"/>
               <a:t>端：</a:t>
             </a:r>
-            <a:endParaRPr lang="zh-CN" altLang="en-US" dirty="0"/>
           </a:p>
           <a:p>
             <a:pPr marL="0" indent="0">
@@ -4648,7 +5179,6 @@
               <a:rPr lang="zh-CN" altLang="en-US" dirty="0"/>
               <a:t>功能繁杂、多样</a:t>
             </a:r>
-            <a:endParaRPr lang="zh-CN" altLang="en-US" dirty="0"/>
           </a:p>
           <a:p>
             <a:pPr marL="0" indent="0">
@@ -4686,7 +5216,6 @@
               <a:rPr lang="zh-CN" altLang="en-US" dirty="0"/>
               <a:t>数据，封装成请求体，传入后端写入数据库。</a:t>
             </a:r>
-            <a:endParaRPr lang="zh-CN" altLang="en-US" dirty="0"/>
           </a:p>
         </p:txBody>
       </p:sp>
@@ -4737,7 +5266,6 @@
               <a:rPr lang="zh-CN" altLang="en-US" dirty="0"/>
               <a:t>关于学生查看签到信息</a:t>
             </a:r>
-            <a:endParaRPr lang="zh-CN" altLang="en-US" dirty="0"/>
           </a:p>
         </p:txBody>
       </p:sp>
@@ -4767,7 +5295,6 @@
               <a:rPr lang="en-US" altLang="zh-CN" dirty="0"/>
               <a:t>	</a:t>
             </a:r>
-            <a:endParaRPr lang="en-US" altLang="zh-CN" dirty="0"/>
           </a:p>
         </p:txBody>
       </p:sp>
@@ -4818,7 +5345,6 @@
               <a:rPr lang="zh-CN" altLang="en-US" dirty="0"/>
               <a:t>关于老师查看签到信息功能</a:t>
             </a:r>
-            <a:endParaRPr lang="zh-CN" altLang="en-US" dirty="0"/>
           </a:p>
         </p:txBody>
       </p:sp>
@@ -4841,20 +5367,26 @@
               <a:buNone/>
             </a:pPr>
             <a:r>
-              <a:rPr lang="zh-CN" altLang="en-US" dirty="0"/>
-              <a:t>方案一：实时显示，创建一个单独的线程，每隔数秒后向后端发起请求，获取签到情况，模拟出实时显示签到信息功能。</a:t>
-            </a:r>
-            <a:endParaRPr lang="zh-CN" altLang="en-US" dirty="0"/>
+              <a:rPr lang="zh-CN" altLang="en-US" b="1" dirty="0"/>
+              <a:t>方案一</a:t>
+            </a:r>
+            <a:r>
+              <a:rPr lang="zh-CN" altLang="en-US" dirty="0"/>
+              <a:t>：实时显示，创建一个单独的线程，每隔数秒后向后端发起请求，获取签到情况，模拟出实时显示签到信息功能。</a:t>
+            </a:r>
           </a:p>
           <a:p>
             <a:pPr marL="0" indent="0">
               <a:buNone/>
             </a:pPr>
             <a:r>
-              <a:rPr lang="zh-CN" altLang="en-US" dirty="0"/>
-              <a:t>方案二：手动刷新，以下拉刷新的方式向后端发起请求，获取此时的签到情况。</a:t>
-            </a:r>
-            <a:endParaRPr lang="zh-CN" altLang="en-US" dirty="0"/>
+              <a:rPr lang="zh-CN" altLang="en-US" b="1" dirty="0"/>
+              <a:t>方案二：</a:t>
+            </a:r>
+            <a:r>
+              <a:rPr lang="zh-CN" altLang="en-US" dirty="0"/>
+              <a:t>手动刷新，以下拉刷新的方式向后端发起请求，获取此时的签到情况。</a:t>
+            </a:r>
           </a:p>
         </p:txBody>
       </p:sp>
@@ -4905,7 +5437,6 @@
               <a:rPr lang="zh-CN" altLang="en-US" dirty="0"/>
               <a:t>技术实现</a:t>
             </a:r>
-            <a:endParaRPr lang="zh-CN" altLang="en-US" dirty="0"/>
           </a:p>
         </p:txBody>
       </p:sp>
@@ -4932,7 +5463,6 @@
               <a:rPr lang="en-US" altLang="zh-CN" dirty="0"/>
               <a:t>MySQL</a:t>
             </a:r>
-            <a:endParaRPr lang="en-US" altLang="zh-CN" dirty="0"/>
           </a:p>
           <a:p>
             <a:r>
@@ -4943,7 +5473,6 @@
               <a:rPr lang="en-US" altLang="zh-CN" dirty="0"/>
               <a:t>Java</a:t>
             </a:r>
-            <a:endParaRPr lang="en-US" altLang="zh-CN" dirty="0"/>
           </a:p>
           <a:p>
             <a:r>
@@ -4958,7 +5487,6 @@
               <a:rPr lang="en-US" altLang="zh-CN" dirty="0"/>
               <a:t>Vue.js</a:t>
             </a:r>
-            <a:endParaRPr lang="en-US" altLang="zh-CN" dirty="0"/>
           </a:p>
           <a:p>
             <a:r>
@@ -5020,7 +5548,6 @@
               <a:rPr lang="zh-CN" altLang="en-US" dirty="0"/>
               <a:t>数据库设计</a:t>
             </a:r>
-            <a:endParaRPr lang="zh-CN" altLang="en-US" dirty="0"/>
           </a:p>
         </p:txBody>
       </p:sp>
@@ -5057,7 +5584,6 @@
               <a:rPr lang="zh-CN" altLang="en-US" dirty="0"/>
               <a:t>存储签到信息</a:t>
             </a:r>
-            <a:endParaRPr lang="zh-CN" altLang="en-US" dirty="0"/>
           </a:p>
           <a:p>
             <a:pPr marL="0" indent="0">
@@ -5329,6 +5855,8 @@
       </a:bgFillStyleLst>
     </a:fmtScheme>
   </a:themeElements>
+  <a:objectDefaults/>
+  <a:extraClrSchemeLst/>
   <a:extLst>
     <a:ext uri="{05A4C25C-085E-4340-85A3-A5531E510DB2}">
       <thm15:themeFamily xmlns:thm15="http://schemas.microsoft.com/office/thememl/2012/main" name="Office Theme" id="{62F939B6-93AF-4DB8-9C6B-D6C7DFDC589F}" vid="{4A3C46E8-61CC-4603-A589-7422A47A8E4A}"/>
@@ -5588,6 +6116,8 @@
       </a:bgFillStyleLst>
     </a:fmtScheme>
   </a:themeElements>
+  <a:objectDefaults/>
+  <a:extraClrSchemeLst/>
   <a:extLst>
     <a:ext uri="{05A4C25C-085E-4340-85A3-A5531E510DB2}">
       <thm15:themeFamily xmlns:thm15="http://schemas.microsoft.com/office/thememl/2012/main" name="Office Theme" id="{62F939B6-93AF-4DB8-9C6B-D6C7DFDC589F}" vid="{4A3C46E8-61CC-4603-A589-7422A47A8E4A}"/>

--- a/数据库期末设计.pptx
+++ b/数据库期末设计.pptx
@@ -5,7 +5,7 @@
     <p:sldMasterId id="2147483648" r:id="rId1"/>
   </p:sldMasterIdLst>
   <p:notesMasterIdLst>
-    <p:notesMasterId r:id="rId18"/>
+    <p:notesMasterId r:id="rId19"/>
   </p:notesMasterIdLst>
   <p:sldIdLst>
     <p:sldId id="256" r:id="rId2"/>
@@ -24,6 +24,7 @@
     <p:sldId id="277" r:id="rId15"/>
     <p:sldId id="276" r:id="rId16"/>
     <p:sldId id="278" r:id="rId17"/>
+    <p:sldId id="279" r:id="rId18"/>
   </p:sldIdLst>
   <p:sldSz cx="12192000" cy="6858000"/>
   <p:notesSz cx="6858000" cy="9144000"/>
@@ -212,7 +213,7 @@
           <a:p>
             <a:fld id="{D2A48B96-639E-45A3-A0BA-2464DFDB1FAA}" type="datetimeFigureOut">
               <a:rPr lang="zh-CN" altLang="en-US" smtClean="0"/>
-              <a:t>2020-11-09</a:t>
+              <a:t>2020-11-10</a:t>
             </a:fld>
             <a:endParaRPr lang="zh-CN" altLang="en-US"/>
           </a:p>
@@ -967,7 +968,7 @@
           <a:p>
             <a:fld id="{68FEBCDA-DA3C-452F-A02F-7CDC5223E7BC}" type="datetimeFigureOut">
               <a:rPr lang="zh-CN" altLang="en-US" smtClean="0"/>
-              <a:t>2020-11-09</a:t>
+              <a:t>2020-11-10</a:t>
             </a:fld>
             <a:endParaRPr lang="zh-CN" altLang="en-US"/>
           </a:p>
@@ -1133,7 +1134,7 @@
           <a:p>
             <a:fld id="{68FEBCDA-DA3C-452F-A02F-7CDC5223E7BC}" type="datetimeFigureOut">
               <a:rPr lang="zh-CN" altLang="en-US" smtClean="0"/>
-              <a:t>2020-11-09</a:t>
+              <a:t>2020-11-10</a:t>
             </a:fld>
             <a:endParaRPr lang="zh-CN" altLang="en-US"/>
           </a:p>
@@ -1309,7 +1310,7 @@
           <a:p>
             <a:fld id="{68FEBCDA-DA3C-452F-A02F-7CDC5223E7BC}" type="datetimeFigureOut">
               <a:rPr lang="zh-CN" altLang="en-US" smtClean="0"/>
-              <a:t>2020-11-09</a:t>
+              <a:t>2020-11-10</a:t>
             </a:fld>
             <a:endParaRPr lang="zh-CN" altLang="en-US"/>
           </a:p>
@@ -1475,7 +1476,7 @@
           <a:p>
             <a:fld id="{68FEBCDA-DA3C-452F-A02F-7CDC5223E7BC}" type="datetimeFigureOut">
               <a:rPr lang="zh-CN" altLang="en-US" smtClean="0"/>
-              <a:t>2020-11-09</a:t>
+              <a:t>2020-11-10</a:t>
             </a:fld>
             <a:endParaRPr lang="zh-CN" altLang="en-US"/>
           </a:p>
@@ -1718,7 +1719,7 @@
           <a:p>
             <a:fld id="{68FEBCDA-DA3C-452F-A02F-7CDC5223E7BC}" type="datetimeFigureOut">
               <a:rPr lang="zh-CN" altLang="en-US" smtClean="0"/>
-              <a:t>2020-11-09</a:t>
+              <a:t>2020-11-10</a:t>
             </a:fld>
             <a:endParaRPr lang="zh-CN" altLang="en-US"/>
           </a:p>
@@ -1945,7 +1946,7 @@
           <a:p>
             <a:fld id="{68FEBCDA-DA3C-452F-A02F-7CDC5223E7BC}" type="datetimeFigureOut">
               <a:rPr lang="zh-CN" altLang="en-US" smtClean="0"/>
-              <a:t>2020-11-09</a:t>
+              <a:t>2020-11-10</a:t>
             </a:fld>
             <a:endParaRPr lang="zh-CN" altLang="en-US"/>
           </a:p>
@@ -2307,7 +2308,7 @@
           <a:p>
             <a:fld id="{68FEBCDA-DA3C-452F-A02F-7CDC5223E7BC}" type="datetimeFigureOut">
               <a:rPr lang="zh-CN" altLang="en-US" smtClean="0"/>
-              <a:t>2020-11-09</a:t>
+              <a:t>2020-11-10</a:t>
             </a:fld>
             <a:endParaRPr lang="zh-CN" altLang="en-US"/>
           </a:p>
@@ -2422,7 +2423,7 @@
           <a:p>
             <a:fld id="{68FEBCDA-DA3C-452F-A02F-7CDC5223E7BC}" type="datetimeFigureOut">
               <a:rPr lang="zh-CN" altLang="en-US" smtClean="0"/>
-              <a:t>2020-11-09</a:t>
+              <a:t>2020-11-10</a:t>
             </a:fld>
             <a:endParaRPr lang="zh-CN" altLang="en-US"/>
           </a:p>
@@ -2515,7 +2516,7 @@
           <a:p>
             <a:fld id="{68FEBCDA-DA3C-452F-A02F-7CDC5223E7BC}" type="datetimeFigureOut">
               <a:rPr lang="zh-CN" altLang="en-US" smtClean="0"/>
-              <a:t>2020-11-09</a:t>
+              <a:t>2020-11-10</a:t>
             </a:fld>
             <a:endParaRPr lang="zh-CN" altLang="en-US"/>
           </a:p>
@@ -2788,7 +2789,7 @@
           <a:p>
             <a:fld id="{68FEBCDA-DA3C-452F-A02F-7CDC5223E7BC}" type="datetimeFigureOut">
               <a:rPr lang="zh-CN" altLang="en-US" smtClean="0"/>
-              <a:t>2020-11-09</a:t>
+              <a:t>2020-11-10</a:t>
             </a:fld>
             <a:endParaRPr lang="zh-CN" altLang="en-US"/>
           </a:p>
@@ -3038,7 +3039,7 @@
           <a:p>
             <a:fld id="{68FEBCDA-DA3C-452F-A02F-7CDC5223E7BC}" type="datetimeFigureOut">
               <a:rPr lang="zh-CN" altLang="en-US" smtClean="0"/>
-              <a:t>2020-11-09</a:t>
+              <a:t>2020-11-10</a:t>
             </a:fld>
             <a:endParaRPr lang="zh-CN" altLang="en-US"/>
           </a:p>
@@ -3247,7 +3248,7 @@
           <a:p>
             <a:fld id="{68FEBCDA-DA3C-452F-A02F-7CDC5223E7BC}" type="datetimeFigureOut">
               <a:rPr lang="zh-CN" altLang="en-US" smtClean="0"/>
-              <a:t>2020-11-09</a:t>
+              <a:t>2020-11-10</a:t>
             </a:fld>
             <a:endParaRPr lang="zh-CN" altLang="en-US"/>
           </a:p>
@@ -4483,7 +4484,7 @@
           <a:p>
             <a:r>
               <a:rPr lang="zh-CN" altLang="en-US" dirty="0"/>
-              <a:t>一些示例语句（后期会优化）</a:t>
+              <a:t>一些后台示例语句（后期会优化）</a:t>
             </a:r>
           </a:p>
         </p:txBody>
@@ -4752,6 +4753,532 @@
   <p:transition>
     <p:push/>
   </p:transition>
+</p:sld>
+</file>
+
+<file path=ppt/slides/slide17.xml><?xml version="1.0" encoding="utf-8"?>
+<p:sld xmlns:a="http://schemas.openxmlformats.org/drawingml/2006/main" xmlns:r="http://schemas.openxmlformats.org/officeDocument/2006/relationships" xmlns:p="http://schemas.openxmlformats.org/presentationml/2006/main">
+  <p:cSld>
+    <p:spTree>
+      <p:nvGrpSpPr>
+        <p:cNvPr id="1" name=""/>
+        <p:cNvGrpSpPr/>
+        <p:nvPr/>
+      </p:nvGrpSpPr>
+      <p:grpSpPr>
+        <a:xfrm>
+          <a:off x="0" y="0"/>
+          <a:ext cx="0" cy="0"/>
+          <a:chOff x="0" y="0"/>
+          <a:chExt cx="0" cy="0"/>
+        </a:xfrm>
+      </p:grpSpPr>
+      <p:sp>
+        <p:nvSpPr>
+          <p:cNvPr id="2" name="标题 1">
+            <a:extLst>
+              <a:ext uri="{FF2B5EF4-FFF2-40B4-BE49-F238E27FC236}">
+                <a16:creationId xmlns:a16="http://schemas.microsoft.com/office/drawing/2014/main" id="{079B5BA3-2BD5-47AD-8BFC-7634B8C362D0}"/>
+              </a:ext>
+            </a:extLst>
+          </p:cNvPr>
+          <p:cNvSpPr>
+            <a:spLocks noGrp="1"/>
+          </p:cNvSpPr>
+          <p:nvPr>
+            <p:ph type="title"/>
+          </p:nvPr>
+        </p:nvSpPr>
+        <p:spPr>
+          <a:xfrm>
+            <a:off x="474215" y="18255"/>
+            <a:ext cx="10515600" cy="1325563"/>
+          </a:xfrm>
+        </p:spPr>
+        <p:txBody>
+          <a:bodyPr/>
+          <a:lstStyle/>
+          <a:p>
+            <a:r>
+              <a:rPr lang="en-US" altLang="zh-CN" dirty="0"/>
+              <a:t>web</a:t>
+            </a:r>
+            <a:r>
+              <a:rPr lang="zh-CN" altLang="en-US" dirty="0"/>
+              <a:t>端大致的框架</a:t>
+            </a:r>
+          </a:p>
+        </p:txBody>
+      </p:sp>
+      <p:pic>
+        <p:nvPicPr>
+          <p:cNvPr id="5" name="内容占位符 4">
+            <a:extLst>
+              <a:ext uri="{FF2B5EF4-FFF2-40B4-BE49-F238E27FC236}">
+                <a16:creationId xmlns:a16="http://schemas.microsoft.com/office/drawing/2014/main" id="{5FF07A03-CC09-4EEB-BB9E-CAACB27E9C78}"/>
+              </a:ext>
+            </a:extLst>
+          </p:cNvPr>
+          <p:cNvPicPr>
+            <a:picLocks noGrp="1" noChangeAspect="1"/>
+          </p:cNvPicPr>
+          <p:nvPr>
+            <p:ph idx="1"/>
+          </p:nvPr>
+        </p:nvPicPr>
+        <p:blipFill>
+          <a:blip r:embed="rId2">
+            <a:extLst>
+              <a:ext uri="{28A0092B-C50C-407E-A947-70E740481C1C}">
+                <a14:useLocalDpi xmlns:a14="http://schemas.microsoft.com/office/drawing/2010/main" val="0"/>
+              </a:ext>
+            </a:extLst>
+          </a:blip>
+          <a:stretch>
+            <a:fillRect/>
+          </a:stretch>
+        </p:blipFill>
+        <p:spPr>
+          <a:xfrm>
+            <a:off x="1675775" y="1825625"/>
+            <a:ext cx="8840449" cy="4351338"/>
+          </a:xfrm>
+        </p:spPr>
+      </p:pic>
+      <p:pic>
+        <p:nvPicPr>
+          <p:cNvPr id="7" name="图片 6">
+            <a:extLst>
+              <a:ext uri="{FF2B5EF4-FFF2-40B4-BE49-F238E27FC236}">
+                <a16:creationId xmlns:a16="http://schemas.microsoft.com/office/drawing/2014/main" id="{160B9FA9-5EF0-4746-A398-94468DBCECA1}"/>
+              </a:ext>
+            </a:extLst>
+          </p:cNvPr>
+          <p:cNvPicPr>
+            <a:picLocks noChangeAspect="1"/>
+          </p:cNvPicPr>
+          <p:nvPr/>
+        </p:nvPicPr>
+        <p:blipFill>
+          <a:blip r:embed="rId3">
+            <a:extLst>
+              <a:ext uri="{28A0092B-C50C-407E-A947-70E740481C1C}">
+                <a14:useLocalDpi xmlns:a14="http://schemas.microsoft.com/office/drawing/2010/main" val="0"/>
+              </a:ext>
+            </a:extLst>
+          </a:blip>
+          <a:stretch>
+            <a:fillRect/>
+          </a:stretch>
+        </p:blipFill>
+        <p:spPr>
+          <a:xfrm>
+            <a:off x="2528886" y="1211532"/>
+            <a:ext cx="7134225" cy="5419725"/>
+          </a:xfrm>
+          <a:prstGeom prst="rect">
+            <a:avLst/>
+          </a:prstGeom>
+        </p:spPr>
+      </p:pic>
+    </p:spTree>
+    <p:extLst>
+      <p:ext uri="{BB962C8B-B14F-4D97-AF65-F5344CB8AC3E}">
+        <p14:creationId xmlns:p14="http://schemas.microsoft.com/office/powerpoint/2010/main" val="2310885911"/>
+      </p:ext>
+    </p:extLst>
+  </p:cSld>
+  <p:clrMapOvr>
+    <a:masterClrMapping/>
+  </p:clrMapOvr>
+  <p:transition>
+    <p:push/>
+  </p:transition>
+  <p:timing>
+    <p:tnLst>
+      <p:par>
+        <p:cTn id="1" dur="indefinite" restart="never" nodeType="tmRoot">
+          <p:childTnLst>
+            <p:seq concurrent="1" nextAc="seek">
+              <p:cTn id="2" dur="indefinite" nodeType="mainSeq">
+                <p:childTnLst>
+                  <p:par>
+                    <p:cTn id="3" fill="hold">
+                      <p:stCondLst>
+                        <p:cond delay="indefinite"/>
+                      </p:stCondLst>
+                      <p:childTnLst>
+                        <p:par>
+                          <p:cTn id="4" fill="hold">
+                            <p:stCondLst>
+                              <p:cond delay="0"/>
+                            </p:stCondLst>
+                            <p:childTnLst>
+                              <p:par>
+                                <p:cTn id="5" presetID="2" presetClass="entr" presetSubtype="8" fill="hold" nodeType="clickEffect">
+                                  <p:stCondLst>
+                                    <p:cond delay="0"/>
+                                  </p:stCondLst>
+                                  <p:childTnLst>
+                                    <p:set>
+                                      <p:cBhvr>
+                                        <p:cTn id="6" dur="1" fill="hold">
+                                          <p:stCondLst>
+                                            <p:cond delay="0"/>
+                                          </p:stCondLst>
+                                        </p:cTn>
+                                        <p:tgtEl>
+                                          <p:spTgt spid="7"/>
+                                        </p:tgtEl>
+                                        <p:attrNameLst>
+                                          <p:attrName>style.visibility</p:attrName>
+                                        </p:attrNameLst>
+                                      </p:cBhvr>
+                                      <p:to>
+                                        <p:strVal val="visible"/>
+                                      </p:to>
+                                    </p:set>
+                                    <p:anim calcmode="lin" valueType="num">
+                                      <p:cBhvr additive="base">
+                                        <p:cTn id="7" dur="500" fill="hold"/>
+                                        <p:tgtEl>
+                                          <p:spTgt spid="7"/>
+                                        </p:tgtEl>
+                                        <p:attrNameLst>
+                                          <p:attrName>ppt_x</p:attrName>
+                                        </p:attrNameLst>
+                                      </p:cBhvr>
+                                      <p:tavLst>
+                                        <p:tav tm="0">
+                                          <p:val>
+                                            <p:strVal val="0-#ppt_w/2"/>
+                                          </p:val>
+                                        </p:tav>
+                                        <p:tav tm="100000">
+                                          <p:val>
+                                            <p:strVal val="#ppt_x"/>
+                                          </p:val>
+                                        </p:tav>
+                                      </p:tavLst>
+                                    </p:anim>
+                                    <p:anim calcmode="lin" valueType="num">
+                                      <p:cBhvr additive="base">
+                                        <p:cTn id="8" dur="500" fill="hold"/>
+                                        <p:tgtEl>
+                                          <p:spTgt spid="7"/>
+                                        </p:tgtEl>
+                                        <p:attrNameLst>
+                                          <p:attrName>ppt_y</p:attrName>
+                                        </p:attrNameLst>
+                                      </p:cBhvr>
+                                      <p:tavLst>
+                                        <p:tav tm="0">
+                                          <p:val>
+                                            <p:strVal val="#ppt_y"/>
+                                          </p:val>
+                                        </p:tav>
+                                        <p:tav tm="100000">
+                                          <p:val>
+                                            <p:strVal val="#ppt_y"/>
+                                          </p:val>
+                                        </p:tav>
+                                      </p:tavLst>
+                                    </p:anim>
+                                  </p:childTnLst>
+                                </p:cTn>
+                              </p:par>
+                            </p:childTnLst>
+                          </p:cTn>
+                        </p:par>
+                      </p:childTnLst>
+                    </p:cTn>
+                  </p:par>
+                  <p:par>
+                    <p:cTn id="9" fill="hold">
+                      <p:stCondLst>
+                        <p:cond delay="indefinite"/>
+                      </p:stCondLst>
+                      <p:childTnLst>
+                        <p:par>
+                          <p:cTn id="10" fill="hold">
+                            <p:stCondLst>
+                              <p:cond delay="0"/>
+                            </p:stCondLst>
+                            <p:childTnLst>
+                              <p:par>
+                                <p:cTn id="11" presetID="2" presetClass="exit" presetSubtype="4" fill="hold" nodeType="clickEffect">
+                                  <p:stCondLst>
+                                    <p:cond delay="0"/>
+                                  </p:stCondLst>
+                                  <p:childTnLst>
+                                    <p:anim calcmode="lin" valueType="num">
+                                      <p:cBhvr additive="base">
+                                        <p:cTn id="12" dur="500"/>
+                                        <p:tgtEl>
+                                          <p:spTgt spid="7"/>
+                                        </p:tgtEl>
+                                        <p:attrNameLst>
+                                          <p:attrName>ppt_x</p:attrName>
+                                        </p:attrNameLst>
+                                      </p:cBhvr>
+                                      <p:tavLst>
+                                        <p:tav tm="0">
+                                          <p:val>
+                                            <p:strVal val="ppt_x"/>
+                                          </p:val>
+                                        </p:tav>
+                                        <p:tav tm="100000">
+                                          <p:val>
+                                            <p:strVal val="ppt_x"/>
+                                          </p:val>
+                                        </p:tav>
+                                      </p:tavLst>
+                                    </p:anim>
+                                    <p:anim calcmode="lin" valueType="num">
+                                      <p:cBhvr additive="base">
+                                        <p:cTn id="13" dur="500"/>
+                                        <p:tgtEl>
+                                          <p:spTgt spid="7"/>
+                                        </p:tgtEl>
+                                        <p:attrNameLst>
+                                          <p:attrName>ppt_y</p:attrName>
+                                        </p:attrNameLst>
+                                      </p:cBhvr>
+                                      <p:tavLst>
+                                        <p:tav tm="0">
+                                          <p:val>
+                                            <p:strVal val="ppt_y"/>
+                                          </p:val>
+                                        </p:tav>
+                                        <p:tav tm="100000">
+                                          <p:val>
+                                            <p:strVal val="1+ppt_h/2"/>
+                                          </p:val>
+                                        </p:tav>
+                                      </p:tavLst>
+                                    </p:anim>
+                                    <p:set>
+                                      <p:cBhvr>
+                                        <p:cTn id="14" dur="1" fill="hold">
+                                          <p:stCondLst>
+                                            <p:cond delay="499"/>
+                                          </p:stCondLst>
+                                        </p:cTn>
+                                        <p:tgtEl>
+                                          <p:spTgt spid="7"/>
+                                        </p:tgtEl>
+                                        <p:attrNameLst>
+                                          <p:attrName>style.visibility</p:attrName>
+                                        </p:attrNameLst>
+                                      </p:cBhvr>
+                                      <p:to>
+                                        <p:strVal val="hidden"/>
+                                      </p:to>
+                                    </p:set>
+                                  </p:childTnLst>
+                                </p:cTn>
+                              </p:par>
+                            </p:childTnLst>
+                          </p:cTn>
+                        </p:par>
+                        <p:par>
+                          <p:cTn id="15" fill="hold">
+                            <p:stCondLst>
+                              <p:cond delay="500"/>
+                            </p:stCondLst>
+                            <p:childTnLst>
+                              <p:par>
+                                <p:cTn id="16" presetID="2" presetClass="entr" presetSubtype="1" fill="hold" nodeType="afterEffect">
+                                  <p:stCondLst>
+                                    <p:cond delay="0"/>
+                                  </p:stCondLst>
+                                  <p:childTnLst>
+                                    <p:set>
+                                      <p:cBhvr>
+                                        <p:cTn id="17" dur="1" fill="hold">
+                                          <p:stCondLst>
+                                            <p:cond delay="0"/>
+                                          </p:stCondLst>
+                                        </p:cTn>
+                                        <p:tgtEl>
+                                          <p:spTgt spid="5"/>
+                                        </p:tgtEl>
+                                        <p:attrNameLst>
+                                          <p:attrName>style.visibility</p:attrName>
+                                        </p:attrNameLst>
+                                      </p:cBhvr>
+                                      <p:to>
+                                        <p:strVal val="visible"/>
+                                      </p:to>
+                                    </p:set>
+                                    <p:anim calcmode="lin" valueType="num">
+                                      <p:cBhvr additive="base">
+                                        <p:cTn id="18" dur="500" fill="hold"/>
+                                        <p:tgtEl>
+                                          <p:spTgt spid="5"/>
+                                        </p:tgtEl>
+                                        <p:attrNameLst>
+                                          <p:attrName>ppt_x</p:attrName>
+                                        </p:attrNameLst>
+                                      </p:cBhvr>
+                                      <p:tavLst>
+                                        <p:tav tm="0">
+                                          <p:val>
+                                            <p:strVal val="#ppt_x"/>
+                                          </p:val>
+                                        </p:tav>
+                                        <p:tav tm="100000">
+                                          <p:val>
+                                            <p:strVal val="#ppt_x"/>
+                                          </p:val>
+                                        </p:tav>
+                                      </p:tavLst>
+                                    </p:anim>
+                                    <p:anim calcmode="lin" valueType="num">
+                                      <p:cBhvr additive="base">
+                                        <p:cTn id="19" dur="500" fill="hold"/>
+                                        <p:tgtEl>
+                                          <p:spTgt spid="5"/>
+                                        </p:tgtEl>
+                                        <p:attrNameLst>
+                                          <p:attrName>ppt_y</p:attrName>
+                                        </p:attrNameLst>
+                                      </p:cBhvr>
+                                      <p:tavLst>
+                                        <p:tav tm="0">
+                                          <p:val>
+                                            <p:strVal val="0-#ppt_h/2"/>
+                                          </p:val>
+                                        </p:tav>
+                                        <p:tav tm="100000">
+                                          <p:val>
+                                            <p:strVal val="#ppt_y"/>
+                                          </p:val>
+                                        </p:tav>
+                                      </p:tavLst>
+                                    </p:anim>
+                                  </p:childTnLst>
+                                </p:cTn>
+                              </p:par>
+                            </p:childTnLst>
+                          </p:cTn>
+                        </p:par>
+                      </p:childTnLst>
+                    </p:cTn>
+                  </p:par>
+                  <p:par>
+                    <p:cTn id="20" fill="hold">
+                      <p:stCondLst>
+                        <p:cond delay="indefinite"/>
+                      </p:stCondLst>
+                      <p:childTnLst>
+                        <p:par>
+                          <p:cTn id="21" fill="hold">
+                            <p:stCondLst>
+                              <p:cond delay="0"/>
+                            </p:stCondLst>
+                            <p:childTnLst>
+                              <p:par>
+                                <p:cTn id="22" presetID="2" presetClass="exit" presetSubtype="2" fill="hold" nodeType="clickEffect">
+                                  <p:stCondLst>
+                                    <p:cond delay="0"/>
+                                  </p:stCondLst>
+                                  <p:childTnLst>
+                                    <p:anim calcmode="lin" valueType="num">
+                                      <p:cBhvr additive="base">
+                                        <p:cTn id="23" dur="500"/>
+                                        <p:tgtEl>
+                                          <p:spTgt spid="5"/>
+                                        </p:tgtEl>
+                                        <p:attrNameLst>
+                                          <p:attrName>ppt_x</p:attrName>
+                                        </p:attrNameLst>
+                                      </p:cBhvr>
+                                      <p:tavLst>
+                                        <p:tav tm="0">
+                                          <p:val>
+                                            <p:strVal val="ppt_x"/>
+                                          </p:val>
+                                        </p:tav>
+                                        <p:tav tm="100000">
+                                          <p:val>
+                                            <p:strVal val="1+ppt_w/2"/>
+                                          </p:val>
+                                        </p:tav>
+                                      </p:tavLst>
+                                    </p:anim>
+                                    <p:anim calcmode="lin" valueType="num">
+                                      <p:cBhvr additive="base">
+                                        <p:cTn id="24" dur="500"/>
+                                        <p:tgtEl>
+                                          <p:spTgt spid="5"/>
+                                        </p:tgtEl>
+                                        <p:attrNameLst>
+                                          <p:attrName>ppt_y</p:attrName>
+                                        </p:attrNameLst>
+                                      </p:cBhvr>
+                                      <p:tavLst>
+                                        <p:tav tm="0">
+                                          <p:val>
+                                            <p:strVal val="ppt_y"/>
+                                          </p:val>
+                                        </p:tav>
+                                        <p:tav tm="100000">
+                                          <p:val>
+                                            <p:strVal val="ppt_y"/>
+                                          </p:val>
+                                        </p:tav>
+                                      </p:tavLst>
+                                    </p:anim>
+                                    <p:set>
+                                      <p:cBhvr>
+                                        <p:cTn id="25" dur="1" fill="hold">
+                                          <p:stCondLst>
+                                            <p:cond delay="499"/>
+                                          </p:stCondLst>
+                                        </p:cTn>
+                                        <p:tgtEl>
+                                          <p:spTgt spid="5"/>
+                                        </p:tgtEl>
+                                        <p:attrNameLst>
+                                          <p:attrName>style.visibility</p:attrName>
+                                        </p:attrNameLst>
+                                      </p:cBhvr>
+                                      <p:to>
+                                        <p:strVal val="hidden"/>
+                                      </p:to>
+                                    </p:set>
+                                  </p:childTnLst>
+                                </p:cTn>
+                              </p:par>
+                            </p:childTnLst>
+                          </p:cTn>
+                        </p:par>
+                      </p:childTnLst>
+                    </p:cTn>
+                  </p:par>
+                </p:childTnLst>
+              </p:cTn>
+              <p:prevCondLst>
+                <p:cond evt="onPrev" delay="0">
+                  <p:tgtEl>
+                    <p:sldTgt/>
+                  </p:tgtEl>
+                </p:cond>
+              </p:prevCondLst>
+              <p:nextCondLst>
+                <p:cond evt="onNext" delay="0">
+                  <p:tgtEl>
+                    <p:sldTgt/>
+                  </p:tgtEl>
+                </p:cond>
+              </p:nextCondLst>
+            </p:seq>
+          </p:childTnLst>
+        </p:cTn>
+      </p:par>
+    </p:tnLst>
+  </p:timing>
 </p:sld>
 </file>
 

--- a/数据库期末设计.pptx
+++ b/数据库期末设计.pptx
@@ -5,26 +5,26 @@
     <p:sldMasterId id="2147483648" r:id="rId1"/>
   </p:sldMasterIdLst>
   <p:notesMasterIdLst>
-    <p:notesMasterId r:id="rId19"/>
+    <p:notesMasterId r:id="rId6"/>
   </p:notesMasterIdLst>
   <p:sldIdLst>
-    <p:sldId id="256" r:id="rId2"/>
-    <p:sldId id="264" r:id="rId3"/>
-    <p:sldId id="271" r:id="rId4"/>
-    <p:sldId id="272" r:id="rId5"/>
-    <p:sldId id="273" r:id="rId6"/>
-    <p:sldId id="275" r:id="rId7"/>
-    <p:sldId id="274" r:id="rId8"/>
-    <p:sldId id="257" r:id="rId9"/>
-    <p:sldId id="258" r:id="rId10"/>
-    <p:sldId id="268" r:id="rId11"/>
-    <p:sldId id="269" r:id="rId12"/>
-    <p:sldId id="263" r:id="rId13"/>
-    <p:sldId id="259" r:id="rId14"/>
-    <p:sldId id="277" r:id="rId15"/>
-    <p:sldId id="276" r:id="rId16"/>
-    <p:sldId id="278" r:id="rId17"/>
-    <p:sldId id="279" r:id="rId18"/>
+    <p:sldId id="256" r:id="rId3"/>
+    <p:sldId id="264" r:id="rId4"/>
+    <p:sldId id="271" r:id="rId5"/>
+    <p:sldId id="272" r:id="rId7"/>
+    <p:sldId id="273" r:id="rId8"/>
+    <p:sldId id="275" r:id="rId9"/>
+    <p:sldId id="274" r:id="rId10"/>
+    <p:sldId id="257" r:id="rId11"/>
+    <p:sldId id="258" r:id="rId12"/>
+    <p:sldId id="268" r:id="rId13"/>
+    <p:sldId id="269" r:id="rId14"/>
+    <p:sldId id="263" r:id="rId15"/>
+    <p:sldId id="259" r:id="rId16"/>
+    <p:sldId id="277" r:id="rId17"/>
+    <p:sldId id="276" r:id="rId18"/>
+    <p:sldId id="278" r:id="rId19"/>
+    <p:sldId id="279" r:id="rId20"/>
   </p:sldIdLst>
   <p:sldSz cx="12192000" cy="6858000"/>
   <p:notesSz cx="6858000" cy="9144000"/>
@@ -123,11 +123,6 @@
       </a:defRPr>
     </a:lvl9pPr>
   </p:defaultTextStyle>
-  <p:extLst>
-    <p:ext uri="{EFAFB233-063F-42B5-8137-9DF3F51BA10A}">
-      <p15:sldGuideLst xmlns:p15="http://schemas.microsoft.com/office/powerpoint/2012/main"/>
-    </p:ext>
-  </p:extLst>
 </p:presentation>
 </file>
 
@@ -213,7 +208,6 @@
           <a:p>
             <a:fld id="{D2A48B96-639E-45A3-A0BA-2464DFDB1FAA}" type="datetimeFigureOut">
               <a:rPr lang="zh-CN" altLang="en-US" smtClean="0"/>
-              <a:t>2020-11-10</a:t>
             </a:fld>
             <a:endParaRPr lang="zh-CN" altLang="en-US"/>
           </a:p>
@@ -280,6 +274,7 @@
               <a:rPr lang="zh-CN" altLang="en-US"/>
               <a:t>单击此处编辑母版文本样式</a:t>
             </a:r>
+            <a:endParaRPr lang="zh-CN" altLang="en-US"/>
           </a:p>
           <a:p>
             <a:pPr lvl="1"/>
@@ -287,6 +282,7 @@
               <a:rPr lang="zh-CN" altLang="en-US"/>
               <a:t>第二级</a:t>
             </a:r>
+            <a:endParaRPr lang="zh-CN" altLang="en-US"/>
           </a:p>
           <a:p>
             <a:pPr lvl="2"/>
@@ -294,6 +290,7 @@
               <a:rPr lang="zh-CN" altLang="en-US"/>
               <a:t>第三级</a:t>
             </a:r>
+            <a:endParaRPr lang="zh-CN" altLang="en-US"/>
           </a:p>
           <a:p>
             <a:pPr lvl="3"/>
@@ -301,6 +298,7 @@
               <a:rPr lang="zh-CN" altLang="en-US"/>
               <a:t>第四级</a:t>
             </a:r>
+            <a:endParaRPr lang="zh-CN" altLang="en-US"/>
           </a:p>
           <a:p>
             <a:pPr lvl="4"/>
@@ -308,6 +306,7 @@
               <a:rPr lang="zh-CN" altLang="en-US"/>
               <a:t>第五级</a:t>
             </a:r>
+            <a:endParaRPr lang="zh-CN" altLang="en-US"/>
           </a:p>
         </p:txBody>
       </p:sp>
@@ -371,7 +370,6 @@
           <a:p>
             <a:fld id="{A6837353-30EB-4A48-80EB-173D804AEFBD}" type="slidenum">
               <a:rPr lang="zh-CN" altLang="en-US" smtClean="0"/>
-              <a:t>‹#›</a:t>
             </a:fld>
             <a:endParaRPr lang="zh-CN" altLang="en-US"/>
           </a:p>
@@ -820,18 +818,12 @@
           <a:p>
             <a:fld id="{A6837353-30EB-4A48-80EB-173D804AEFBD}" type="slidenum">
               <a:rPr lang="zh-CN" altLang="en-US" smtClean="0"/>
-              <a:t>11</a:t>
             </a:fld>
             <a:endParaRPr lang="zh-CN" altLang="en-US"/>
           </a:p>
         </p:txBody>
       </p:sp>
     </p:spTree>
-    <p:extLst>
-      <p:ext uri="{BB962C8B-B14F-4D97-AF65-F5344CB8AC3E}">
-        <p14:creationId xmlns:p14="http://schemas.microsoft.com/office/powerpoint/2010/main" val="1868038647"/>
-      </p:ext>
-    </p:extLst>
   </p:cSld>
   <p:clrMapOvr>
     <a:masterClrMapping/>
@@ -884,6 +876,7 @@
               <a:rPr lang="zh-CN" altLang="en-US"/>
               <a:t>单击此处编辑母版标题样式</a:t>
             </a:r>
+            <a:endParaRPr lang="zh-CN" altLang="en-US"/>
           </a:p>
         </p:txBody>
       </p:sp>
@@ -948,6 +941,7 @@
               <a:rPr lang="zh-CN" altLang="en-US"/>
               <a:t>单击此处编辑母版副标题样式</a:t>
             </a:r>
+            <a:endParaRPr lang="zh-CN" altLang="en-US"/>
           </a:p>
         </p:txBody>
       </p:sp>
@@ -968,7 +962,6 @@
           <a:p>
             <a:fld id="{68FEBCDA-DA3C-452F-A02F-7CDC5223E7BC}" type="datetimeFigureOut">
               <a:rPr lang="zh-CN" altLang="en-US" smtClean="0"/>
-              <a:t>2020-11-10</a:t>
             </a:fld>
             <a:endParaRPr lang="zh-CN" altLang="en-US"/>
           </a:p>
@@ -1010,7 +1003,6 @@
           <a:p>
             <a:fld id="{A9C8B515-BDAE-4B7E-9C19-375623BB3987}" type="slidenum">
               <a:rPr lang="zh-CN" altLang="en-US" smtClean="0"/>
-              <a:t>‹#›</a:t>
             </a:fld>
             <a:endParaRPr lang="zh-CN" altLang="en-US"/>
           </a:p>
@@ -1063,6 +1055,7 @@
               <a:rPr lang="zh-CN" altLang="en-US"/>
               <a:t>单击此处编辑母版标题样式</a:t>
             </a:r>
+            <a:endParaRPr lang="zh-CN" altLang="en-US"/>
           </a:p>
         </p:txBody>
       </p:sp>
@@ -1086,6 +1079,7 @@
               <a:rPr lang="zh-CN" altLang="en-US"/>
               <a:t>单击此处编辑母版文本样式</a:t>
             </a:r>
+            <a:endParaRPr lang="zh-CN" altLang="en-US"/>
           </a:p>
           <a:p>
             <a:pPr lvl="1"/>
@@ -1093,6 +1087,7 @@
               <a:rPr lang="zh-CN" altLang="en-US"/>
               <a:t>二级</a:t>
             </a:r>
+            <a:endParaRPr lang="zh-CN" altLang="en-US"/>
           </a:p>
           <a:p>
             <a:pPr lvl="2"/>
@@ -1100,6 +1095,7 @@
               <a:rPr lang="zh-CN" altLang="en-US"/>
               <a:t>三级</a:t>
             </a:r>
+            <a:endParaRPr lang="zh-CN" altLang="en-US"/>
           </a:p>
           <a:p>
             <a:pPr lvl="3"/>
@@ -1107,6 +1103,7 @@
               <a:rPr lang="zh-CN" altLang="en-US"/>
               <a:t>四级</a:t>
             </a:r>
+            <a:endParaRPr lang="zh-CN" altLang="en-US"/>
           </a:p>
           <a:p>
             <a:pPr lvl="4"/>
@@ -1114,6 +1111,7 @@
               <a:rPr lang="zh-CN" altLang="en-US"/>
               <a:t>五级</a:t>
             </a:r>
+            <a:endParaRPr lang="zh-CN" altLang="en-US"/>
           </a:p>
         </p:txBody>
       </p:sp>
@@ -1134,7 +1132,6 @@
           <a:p>
             <a:fld id="{68FEBCDA-DA3C-452F-A02F-7CDC5223E7BC}" type="datetimeFigureOut">
               <a:rPr lang="zh-CN" altLang="en-US" smtClean="0"/>
-              <a:t>2020-11-10</a:t>
             </a:fld>
             <a:endParaRPr lang="zh-CN" altLang="en-US"/>
           </a:p>
@@ -1176,7 +1173,6 @@
           <a:p>
             <a:fld id="{A9C8B515-BDAE-4B7E-9C19-375623BB3987}" type="slidenum">
               <a:rPr lang="zh-CN" altLang="en-US" smtClean="0"/>
-              <a:t>‹#›</a:t>
             </a:fld>
             <a:endParaRPr lang="zh-CN" altLang="en-US"/>
           </a:p>
@@ -1234,6 +1230,7 @@
               <a:rPr lang="zh-CN" altLang="en-US"/>
               <a:t>单击此处编辑母版标题样式</a:t>
             </a:r>
+            <a:endParaRPr lang="zh-CN" altLang="en-US"/>
           </a:p>
         </p:txBody>
       </p:sp>
@@ -1262,6 +1259,7 @@
               <a:rPr lang="zh-CN" altLang="en-US"/>
               <a:t>单击此处编辑母版文本样式</a:t>
             </a:r>
+            <a:endParaRPr lang="zh-CN" altLang="en-US"/>
           </a:p>
           <a:p>
             <a:pPr lvl="1"/>
@@ -1269,6 +1267,7 @@
               <a:rPr lang="zh-CN" altLang="en-US"/>
               <a:t>二级</a:t>
             </a:r>
+            <a:endParaRPr lang="zh-CN" altLang="en-US"/>
           </a:p>
           <a:p>
             <a:pPr lvl="2"/>
@@ -1276,6 +1275,7 @@
               <a:rPr lang="zh-CN" altLang="en-US"/>
               <a:t>三级</a:t>
             </a:r>
+            <a:endParaRPr lang="zh-CN" altLang="en-US"/>
           </a:p>
           <a:p>
             <a:pPr lvl="3"/>
@@ -1283,6 +1283,7 @@
               <a:rPr lang="zh-CN" altLang="en-US"/>
               <a:t>四级</a:t>
             </a:r>
+            <a:endParaRPr lang="zh-CN" altLang="en-US"/>
           </a:p>
           <a:p>
             <a:pPr lvl="4"/>
@@ -1290,6 +1291,7 @@
               <a:rPr lang="zh-CN" altLang="en-US"/>
               <a:t>五级</a:t>
             </a:r>
+            <a:endParaRPr lang="zh-CN" altLang="en-US"/>
           </a:p>
         </p:txBody>
       </p:sp>
@@ -1310,7 +1312,6 @@
           <a:p>
             <a:fld id="{68FEBCDA-DA3C-452F-A02F-7CDC5223E7BC}" type="datetimeFigureOut">
               <a:rPr lang="zh-CN" altLang="en-US" smtClean="0"/>
-              <a:t>2020-11-10</a:t>
             </a:fld>
             <a:endParaRPr lang="zh-CN" altLang="en-US"/>
           </a:p>
@@ -1352,7 +1353,6 @@
           <a:p>
             <a:fld id="{A9C8B515-BDAE-4B7E-9C19-375623BB3987}" type="slidenum">
               <a:rPr lang="zh-CN" altLang="en-US" smtClean="0"/>
-              <a:t>‹#›</a:t>
             </a:fld>
             <a:endParaRPr lang="zh-CN" altLang="en-US"/>
           </a:p>
@@ -1405,6 +1405,7 @@
               <a:rPr lang="zh-CN" altLang="en-US"/>
               <a:t>单击此处编辑母版标题样式</a:t>
             </a:r>
+            <a:endParaRPr lang="zh-CN" altLang="en-US"/>
           </a:p>
         </p:txBody>
       </p:sp>
@@ -1428,6 +1429,7 @@
               <a:rPr lang="zh-CN" altLang="en-US"/>
               <a:t>单击此处编辑母版文本样式</a:t>
             </a:r>
+            <a:endParaRPr lang="zh-CN" altLang="en-US"/>
           </a:p>
           <a:p>
             <a:pPr lvl="1"/>
@@ -1435,6 +1437,7 @@
               <a:rPr lang="zh-CN" altLang="en-US"/>
               <a:t>二级</a:t>
             </a:r>
+            <a:endParaRPr lang="zh-CN" altLang="en-US"/>
           </a:p>
           <a:p>
             <a:pPr lvl="2"/>
@@ -1442,6 +1445,7 @@
               <a:rPr lang="zh-CN" altLang="en-US"/>
               <a:t>三级</a:t>
             </a:r>
+            <a:endParaRPr lang="zh-CN" altLang="en-US"/>
           </a:p>
           <a:p>
             <a:pPr lvl="3"/>
@@ -1449,6 +1453,7 @@
               <a:rPr lang="zh-CN" altLang="en-US"/>
               <a:t>四级</a:t>
             </a:r>
+            <a:endParaRPr lang="zh-CN" altLang="en-US"/>
           </a:p>
           <a:p>
             <a:pPr lvl="4"/>
@@ -1456,6 +1461,7 @@
               <a:rPr lang="zh-CN" altLang="en-US"/>
               <a:t>五级</a:t>
             </a:r>
+            <a:endParaRPr lang="zh-CN" altLang="en-US"/>
           </a:p>
         </p:txBody>
       </p:sp>
@@ -1476,7 +1482,6 @@
           <a:p>
             <a:fld id="{68FEBCDA-DA3C-452F-A02F-7CDC5223E7BC}" type="datetimeFigureOut">
               <a:rPr lang="zh-CN" altLang="en-US" smtClean="0"/>
-              <a:t>2020-11-10</a:t>
             </a:fld>
             <a:endParaRPr lang="zh-CN" altLang="en-US"/>
           </a:p>
@@ -1518,7 +1523,6 @@
           <a:p>
             <a:fld id="{A9C8B515-BDAE-4B7E-9C19-375623BB3987}" type="slidenum">
               <a:rPr lang="zh-CN" altLang="en-US" smtClean="0"/>
-              <a:t>‹#›</a:t>
             </a:fld>
             <a:endParaRPr lang="zh-CN" altLang="en-US"/>
           </a:p>
@@ -1580,6 +1584,7 @@
               <a:rPr lang="zh-CN" altLang="en-US"/>
               <a:t>单击此处编辑母版标题样式</a:t>
             </a:r>
+            <a:endParaRPr lang="zh-CN" altLang="en-US"/>
           </a:p>
         </p:txBody>
       </p:sp>
@@ -1699,6 +1704,7 @@
               <a:rPr lang="zh-CN" altLang="en-US"/>
               <a:t>单击此处编辑母版文本样式</a:t>
             </a:r>
+            <a:endParaRPr lang="zh-CN" altLang="en-US"/>
           </a:p>
         </p:txBody>
       </p:sp>
@@ -1719,7 +1725,6 @@
           <a:p>
             <a:fld id="{68FEBCDA-DA3C-452F-A02F-7CDC5223E7BC}" type="datetimeFigureOut">
               <a:rPr lang="zh-CN" altLang="en-US" smtClean="0"/>
-              <a:t>2020-11-10</a:t>
             </a:fld>
             <a:endParaRPr lang="zh-CN" altLang="en-US"/>
           </a:p>
@@ -1761,7 +1766,6 @@
           <a:p>
             <a:fld id="{A9C8B515-BDAE-4B7E-9C19-375623BB3987}" type="slidenum">
               <a:rPr lang="zh-CN" altLang="en-US" smtClean="0"/>
-              <a:t>‹#›</a:t>
             </a:fld>
             <a:endParaRPr lang="zh-CN" altLang="en-US"/>
           </a:p>
@@ -1814,6 +1818,7 @@
               <a:rPr lang="zh-CN" altLang="en-US"/>
               <a:t>单击此处编辑母版标题样式</a:t>
             </a:r>
+            <a:endParaRPr lang="zh-CN" altLang="en-US"/>
           </a:p>
         </p:txBody>
       </p:sp>
@@ -1842,6 +1847,7 @@
               <a:rPr lang="zh-CN" altLang="en-US"/>
               <a:t>单击此处编辑母版文本样式</a:t>
             </a:r>
+            <a:endParaRPr lang="zh-CN" altLang="en-US"/>
           </a:p>
           <a:p>
             <a:pPr lvl="1"/>
@@ -1849,6 +1855,7 @@
               <a:rPr lang="zh-CN" altLang="en-US"/>
               <a:t>二级</a:t>
             </a:r>
+            <a:endParaRPr lang="zh-CN" altLang="en-US"/>
           </a:p>
           <a:p>
             <a:pPr lvl="2"/>
@@ -1856,6 +1863,7 @@
               <a:rPr lang="zh-CN" altLang="en-US"/>
               <a:t>三级</a:t>
             </a:r>
+            <a:endParaRPr lang="zh-CN" altLang="en-US"/>
           </a:p>
           <a:p>
             <a:pPr lvl="3"/>
@@ -1863,6 +1871,7 @@
               <a:rPr lang="zh-CN" altLang="en-US"/>
               <a:t>四级</a:t>
             </a:r>
+            <a:endParaRPr lang="zh-CN" altLang="en-US"/>
           </a:p>
           <a:p>
             <a:pPr lvl="4"/>
@@ -1870,6 +1879,7 @@
               <a:rPr lang="zh-CN" altLang="en-US"/>
               <a:t>五级</a:t>
             </a:r>
+            <a:endParaRPr lang="zh-CN" altLang="en-US"/>
           </a:p>
         </p:txBody>
       </p:sp>
@@ -1898,6 +1908,7 @@
               <a:rPr lang="zh-CN" altLang="en-US"/>
               <a:t>单击此处编辑母版文本样式</a:t>
             </a:r>
+            <a:endParaRPr lang="zh-CN" altLang="en-US"/>
           </a:p>
           <a:p>
             <a:pPr lvl="1"/>
@@ -1905,6 +1916,7 @@
               <a:rPr lang="zh-CN" altLang="en-US"/>
               <a:t>二级</a:t>
             </a:r>
+            <a:endParaRPr lang="zh-CN" altLang="en-US"/>
           </a:p>
           <a:p>
             <a:pPr lvl="2"/>
@@ -1912,6 +1924,7 @@
               <a:rPr lang="zh-CN" altLang="en-US"/>
               <a:t>三级</a:t>
             </a:r>
+            <a:endParaRPr lang="zh-CN" altLang="en-US"/>
           </a:p>
           <a:p>
             <a:pPr lvl="3"/>
@@ -1919,6 +1932,7 @@
               <a:rPr lang="zh-CN" altLang="en-US"/>
               <a:t>四级</a:t>
             </a:r>
+            <a:endParaRPr lang="zh-CN" altLang="en-US"/>
           </a:p>
           <a:p>
             <a:pPr lvl="4"/>
@@ -1926,6 +1940,7 @@
               <a:rPr lang="zh-CN" altLang="en-US"/>
               <a:t>五级</a:t>
             </a:r>
+            <a:endParaRPr lang="zh-CN" altLang="en-US"/>
           </a:p>
         </p:txBody>
       </p:sp>
@@ -1946,7 +1961,6 @@
           <a:p>
             <a:fld id="{68FEBCDA-DA3C-452F-A02F-7CDC5223E7BC}" type="datetimeFigureOut">
               <a:rPr lang="zh-CN" altLang="en-US" smtClean="0"/>
-              <a:t>2020-11-10</a:t>
             </a:fld>
             <a:endParaRPr lang="zh-CN" altLang="en-US"/>
           </a:p>
@@ -1988,7 +2002,6 @@
           <a:p>
             <a:fld id="{A9C8B515-BDAE-4B7E-9C19-375623BB3987}" type="slidenum">
               <a:rPr lang="zh-CN" altLang="en-US" smtClean="0"/>
-              <a:t>‹#›</a:t>
             </a:fld>
             <a:endParaRPr lang="zh-CN" altLang="en-US"/>
           </a:p>
@@ -2046,6 +2059,7 @@
               <a:rPr lang="zh-CN" altLang="en-US"/>
               <a:t>单击此处编辑母版标题样式</a:t>
             </a:r>
+            <a:endParaRPr lang="zh-CN" altLang="en-US"/>
           </a:p>
         </p:txBody>
       </p:sp>
@@ -2111,6 +2125,7 @@
               <a:rPr lang="zh-CN" altLang="en-US"/>
               <a:t>单击此处编辑母版文本样式</a:t>
             </a:r>
+            <a:endParaRPr lang="zh-CN" altLang="en-US"/>
           </a:p>
         </p:txBody>
       </p:sp>
@@ -2139,6 +2154,7 @@
               <a:rPr lang="zh-CN" altLang="en-US"/>
               <a:t>单击此处编辑母版文本样式</a:t>
             </a:r>
+            <a:endParaRPr lang="zh-CN" altLang="en-US"/>
           </a:p>
           <a:p>
             <a:pPr lvl="1"/>
@@ -2146,6 +2162,7 @@
               <a:rPr lang="zh-CN" altLang="en-US"/>
               <a:t>二级</a:t>
             </a:r>
+            <a:endParaRPr lang="zh-CN" altLang="en-US"/>
           </a:p>
           <a:p>
             <a:pPr lvl="2"/>
@@ -2153,6 +2170,7 @@
               <a:rPr lang="zh-CN" altLang="en-US"/>
               <a:t>三级</a:t>
             </a:r>
+            <a:endParaRPr lang="zh-CN" altLang="en-US"/>
           </a:p>
           <a:p>
             <a:pPr lvl="3"/>
@@ -2160,6 +2178,7 @@
               <a:rPr lang="zh-CN" altLang="en-US"/>
               <a:t>四级</a:t>
             </a:r>
+            <a:endParaRPr lang="zh-CN" altLang="en-US"/>
           </a:p>
           <a:p>
             <a:pPr lvl="4"/>
@@ -2167,6 +2186,7 @@
               <a:rPr lang="zh-CN" altLang="en-US"/>
               <a:t>五级</a:t>
             </a:r>
+            <a:endParaRPr lang="zh-CN" altLang="en-US"/>
           </a:p>
         </p:txBody>
       </p:sp>
@@ -2232,6 +2252,7 @@
               <a:rPr lang="zh-CN" altLang="en-US"/>
               <a:t>单击此处编辑母版文本样式</a:t>
             </a:r>
+            <a:endParaRPr lang="zh-CN" altLang="en-US"/>
           </a:p>
         </p:txBody>
       </p:sp>
@@ -2260,6 +2281,7 @@
               <a:rPr lang="zh-CN" altLang="en-US"/>
               <a:t>单击此处编辑母版文本样式</a:t>
             </a:r>
+            <a:endParaRPr lang="zh-CN" altLang="en-US"/>
           </a:p>
           <a:p>
             <a:pPr lvl="1"/>
@@ -2267,6 +2289,7 @@
               <a:rPr lang="zh-CN" altLang="en-US"/>
               <a:t>二级</a:t>
             </a:r>
+            <a:endParaRPr lang="zh-CN" altLang="en-US"/>
           </a:p>
           <a:p>
             <a:pPr lvl="2"/>
@@ -2274,6 +2297,7 @@
               <a:rPr lang="zh-CN" altLang="en-US"/>
               <a:t>三级</a:t>
             </a:r>
+            <a:endParaRPr lang="zh-CN" altLang="en-US"/>
           </a:p>
           <a:p>
             <a:pPr lvl="3"/>
@@ -2281,6 +2305,7 @@
               <a:rPr lang="zh-CN" altLang="en-US"/>
               <a:t>四级</a:t>
             </a:r>
+            <a:endParaRPr lang="zh-CN" altLang="en-US"/>
           </a:p>
           <a:p>
             <a:pPr lvl="4"/>
@@ -2288,6 +2313,7 @@
               <a:rPr lang="zh-CN" altLang="en-US"/>
               <a:t>五级</a:t>
             </a:r>
+            <a:endParaRPr lang="zh-CN" altLang="en-US"/>
           </a:p>
         </p:txBody>
       </p:sp>
@@ -2308,7 +2334,6 @@
           <a:p>
             <a:fld id="{68FEBCDA-DA3C-452F-A02F-7CDC5223E7BC}" type="datetimeFigureOut">
               <a:rPr lang="zh-CN" altLang="en-US" smtClean="0"/>
-              <a:t>2020-11-10</a:t>
             </a:fld>
             <a:endParaRPr lang="zh-CN" altLang="en-US"/>
           </a:p>
@@ -2350,7 +2375,6 @@
           <a:p>
             <a:fld id="{A9C8B515-BDAE-4B7E-9C19-375623BB3987}" type="slidenum">
               <a:rPr lang="zh-CN" altLang="en-US" smtClean="0"/>
-              <a:t>‹#›</a:t>
             </a:fld>
             <a:endParaRPr lang="zh-CN" altLang="en-US"/>
           </a:p>
@@ -2403,6 +2427,7 @@
               <a:rPr lang="zh-CN" altLang="en-US"/>
               <a:t>单击此处编辑母版标题样式</a:t>
             </a:r>
+            <a:endParaRPr lang="zh-CN" altLang="en-US"/>
           </a:p>
         </p:txBody>
       </p:sp>
@@ -2423,7 +2448,6 @@
           <a:p>
             <a:fld id="{68FEBCDA-DA3C-452F-A02F-7CDC5223E7BC}" type="datetimeFigureOut">
               <a:rPr lang="zh-CN" altLang="en-US" smtClean="0"/>
-              <a:t>2020-11-10</a:t>
             </a:fld>
             <a:endParaRPr lang="zh-CN" altLang="en-US"/>
           </a:p>
@@ -2465,7 +2489,6 @@
           <a:p>
             <a:fld id="{A9C8B515-BDAE-4B7E-9C19-375623BB3987}" type="slidenum">
               <a:rPr lang="zh-CN" altLang="en-US" smtClean="0"/>
-              <a:t>‹#›</a:t>
             </a:fld>
             <a:endParaRPr lang="zh-CN" altLang="en-US"/>
           </a:p>
@@ -2516,7 +2539,6 @@
           <a:p>
             <a:fld id="{68FEBCDA-DA3C-452F-A02F-7CDC5223E7BC}" type="datetimeFigureOut">
               <a:rPr lang="zh-CN" altLang="en-US" smtClean="0"/>
-              <a:t>2020-11-10</a:t>
             </a:fld>
             <a:endParaRPr lang="zh-CN" altLang="en-US"/>
           </a:p>
@@ -2558,7 +2580,6 @@
           <a:p>
             <a:fld id="{A9C8B515-BDAE-4B7E-9C19-375623BB3987}" type="slidenum">
               <a:rPr lang="zh-CN" altLang="en-US" smtClean="0"/>
-              <a:t>‹#›</a:t>
             </a:fld>
             <a:endParaRPr lang="zh-CN" altLang="en-US"/>
           </a:p>
@@ -2620,6 +2641,7 @@
               <a:rPr lang="zh-CN" altLang="en-US"/>
               <a:t>单击此处编辑母版标题样式</a:t>
             </a:r>
+            <a:endParaRPr lang="zh-CN" altLang="en-US"/>
           </a:p>
         </p:txBody>
       </p:sp>
@@ -2676,6 +2698,7 @@
               <a:rPr lang="zh-CN" altLang="en-US"/>
               <a:t>单击此处编辑母版文本样式</a:t>
             </a:r>
+            <a:endParaRPr lang="zh-CN" altLang="en-US"/>
           </a:p>
           <a:p>
             <a:pPr lvl="1"/>
@@ -2683,6 +2706,7 @@
               <a:rPr lang="zh-CN" altLang="en-US"/>
               <a:t>二级</a:t>
             </a:r>
+            <a:endParaRPr lang="zh-CN" altLang="en-US"/>
           </a:p>
           <a:p>
             <a:pPr lvl="2"/>
@@ -2690,6 +2714,7 @@
               <a:rPr lang="zh-CN" altLang="en-US"/>
               <a:t>三级</a:t>
             </a:r>
+            <a:endParaRPr lang="zh-CN" altLang="en-US"/>
           </a:p>
           <a:p>
             <a:pPr lvl="3"/>
@@ -2697,6 +2722,7 @@
               <a:rPr lang="zh-CN" altLang="en-US"/>
               <a:t>四级</a:t>
             </a:r>
+            <a:endParaRPr lang="zh-CN" altLang="en-US"/>
           </a:p>
           <a:p>
             <a:pPr lvl="4"/>
@@ -2704,6 +2730,7 @@
               <a:rPr lang="zh-CN" altLang="en-US"/>
               <a:t>五级</a:t>
             </a:r>
+            <a:endParaRPr lang="zh-CN" altLang="en-US"/>
           </a:p>
         </p:txBody>
       </p:sp>
@@ -2769,6 +2796,7 @@
               <a:rPr lang="zh-CN" altLang="en-US"/>
               <a:t>单击此处编辑母版文本样式</a:t>
             </a:r>
+            <a:endParaRPr lang="zh-CN" altLang="en-US"/>
           </a:p>
         </p:txBody>
       </p:sp>
@@ -2789,7 +2817,6 @@
           <a:p>
             <a:fld id="{68FEBCDA-DA3C-452F-A02F-7CDC5223E7BC}" type="datetimeFigureOut">
               <a:rPr lang="zh-CN" altLang="en-US" smtClean="0"/>
-              <a:t>2020-11-10</a:t>
             </a:fld>
             <a:endParaRPr lang="zh-CN" altLang="en-US"/>
           </a:p>
@@ -2831,7 +2858,6 @@
           <a:p>
             <a:fld id="{A9C8B515-BDAE-4B7E-9C19-375623BB3987}" type="slidenum">
               <a:rPr lang="zh-CN" altLang="en-US" smtClean="0"/>
-              <a:t>‹#›</a:t>
             </a:fld>
             <a:endParaRPr lang="zh-CN" altLang="en-US"/>
           </a:p>
@@ -2893,6 +2919,7 @@
               <a:rPr lang="zh-CN" altLang="en-US"/>
               <a:t>单击此处编辑母版标题样式</a:t>
             </a:r>
+            <a:endParaRPr lang="zh-CN" altLang="en-US"/>
           </a:p>
         </p:txBody>
       </p:sp>
@@ -3019,6 +3046,7 @@
               <a:rPr lang="zh-CN" altLang="en-US"/>
               <a:t>单击此处编辑母版文本样式</a:t>
             </a:r>
+            <a:endParaRPr lang="zh-CN" altLang="en-US"/>
           </a:p>
         </p:txBody>
       </p:sp>
@@ -3039,7 +3067,6 @@
           <a:p>
             <a:fld id="{68FEBCDA-DA3C-452F-A02F-7CDC5223E7BC}" type="datetimeFigureOut">
               <a:rPr lang="zh-CN" altLang="en-US" smtClean="0"/>
-              <a:t>2020-11-10</a:t>
             </a:fld>
             <a:endParaRPr lang="zh-CN" altLang="en-US"/>
           </a:p>
@@ -3081,7 +3108,6 @@
           <a:p>
             <a:fld id="{A9C8B515-BDAE-4B7E-9C19-375623BB3987}" type="slidenum">
               <a:rPr lang="zh-CN" altLang="en-US" smtClean="0"/>
-              <a:t>‹#›</a:t>
             </a:fld>
             <a:endParaRPr lang="zh-CN" altLang="en-US"/>
           </a:p>
@@ -3149,6 +3175,7 @@
               <a:rPr lang="zh-CN" altLang="en-US"/>
               <a:t>单击此处编辑母版标题样式</a:t>
             </a:r>
+            <a:endParaRPr lang="zh-CN" altLang="en-US"/>
           </a:p>
         </p:txBody>
       </p:sp>
@@ -3182,6 +3209,7 @@
               <a:rPr lang="zh-CN" altLang="en-US"/>
               <a:t>单击此处编辑母版文本样式</a:t>
             </a:r>
+            <a:endParaRPr lang="zh-CN" altLang="en-US"/>
           </a:p>
           <a:p>
             <a:pPr lvl="1"/>
@@ -3189,6 +3217,7 @@
               <a:rPr lang="zh-CN" altLang="en-US"/>
               <a:t>二级</a:t>
             </a:r>
+            <a:endParaRPr lang="zh-CN" altLang="en-US"/>
           </a:p>
           <a:p>
             <a:pPr lvl="2"/>
@@ -3196,6 +3225,7 @@
               <a:rPr lang="zh-CN" altLang="en-US"/>
               <a:t>三级</a:t>
             </a:r>
+            <a:endParaRPr lang="zh-CN" altLang="en-US"/>
           </a:p>
           <a:p>
             <a:pPr lvl="3"/>
@@ -3203,6 +3233,7 @@
               <a:rPr lang="zh-CN" altLang="en-US"/>
               <a:t>四级</a:t>
             </a:r>
+            <a:endParaRPr lang="zh-CN" altLang="en-US"/>
           </a:p>
           <a:p>
             <a:pPr lvl="4"/>
@@ -3210,6 +3241,7 @@
               <a:rPr lang="zh-CN" altLang="en-US"/>
               <a:t>五级</a:t>
             </a:r>
+            <a:endParaRPr lang="zh-CN" altLang="en-US"/>
           </a:p>
         </p:txBody>
       </p:sp>
@@ -3248,7 +3280,6 @@
           <a:p>
             <a:fld id="{68FEBCDA-DA3C-452F-A02F-7CDC5223E7BC}" type="datetimeFigureOut">
               <a:rPr lang="zh-CN" altLang="en-US" smtClean="0"/>
-              <a:t>2020-11-10</a:t>
             </a:fld>
             <a:endParaRPr lang="zh-CN" altLang="en-US"/>
           </a:p>
@@ -3326,7 +3357,6 @@
           <a:p>
             <a:fld id="{A9C8B515-BDAE-4B7E-9C19-375623BB3987}" type="slidenum">
               <a:rPr lang="zh-CN" altLang="en-US" smtClean="0"/>
-              <a:t>‹#›</a:t>
             </a:fld>
             <a:endParaRPr lang="zh-CN" altLang="en-US"/>
           </a:p>
@@ -3675,6 +3705,7 @@
               <a:rPr lang="zh-CN" altLang="en-US" dirty="0"/>
               <a:t>课堂签到系统</a:t>
             </a:r>
+            <a:endParaRPr lang="zh-CN" altLang="en-US" dirty="0"/>
           </a:p>
         </p:txBody>
       </p:sp>
@@ -3715,6 +3746,7 @@
               <a:rPr lang="en-US" altLang="zh-CN" dirty="0"/>
               <a:t>APP</a:t>
             </a:r>
+            <a:endParaRPr lang="en-US" altLang="zh-CN" dirty="0"/>
           </a:p>
           <a:p>
             <a:pPr algn="l"/>
@@ -3734,6 +3766,7 @@
               <a:rPr lang="en-US" altLang="zh-CN" dirty="0"/>
               <a:t>APP</a:t>
             </a:r>
+            <a:endParaRPr lang="en-US" altLang="zh-CN" dirty="0"/>
           </a:p>
           <a:p>
             <a:pPr algn="l"/>
@@ -3749,6 +3782,7 @@
               <a:rPr lang="zh-CN" altLang="en-US" dirty="0"/>
               <a:t>端</a:t>
             </a:r>
+            <a:endParaRPr lang="zh-CN" altLang="en-US" dirty="0"/>
           </a:p>
         </p:txBody>
       </p:sp>
@@ -3799,6 +3833,7 @@
               <a:rPr lang="zh-CN" altLang="en-US" dirty="0"/>
               <a:t>数据库设计初始版</a:t>
             </a:r>
+            <a:endParaRPr lang="zh-CN" altLang="en-US" dirty="0"/>
           </a:p>
         </p:txBody>
       </p:sp>
@@ -3826,6 +3861,7 @@
               <a:rPr lang="zh-CN" dirty="0"/>
               <a:t>学生表：</a:t>
             </a:r>
+            <a:endParaRPr lang="zh-CN" dirty="0"/>
           </a:p>
           <a:p>
             <a:pPr lvl="1"/>
@@ -3833,12 +3869,14 @@
               <a:rPr lang="zh-CN" dirty="0"/>
               <a:t>学号，密码，姓名，专业，年级，班级</a:t>
             </a:r>
+            <a:endParaRPr lang="zh-CN" dirty="0"/>
           </a:p>
           <a:p>
             <a:r>
               <a:rPr lang="zh-CN" altLang="en-US" dirty="0"/>
               <a:t>教师表：</a:t>
             </a:r>
+            <a:endParaRPr lang="zh-CN" altLang="en-US" dirty="0"/>
           </a:p>
           <a:p>
             <a:pPr lvl="1"/>
@@ -3846,12 +3884,14 @@
               <a:rPr lang="zh-CN" altLang="en-US" sz="2400" dirty="0"/>
               <a:t>学工号，密码，姓名，介绍</a:t>
             </a:r>
+            <a:endParaRPr lang="zh-CN" altLang="en-US" sz="2400" dirty="0"/>
           </a:p>
           <a:p>
             <a:r>
               <a:rPr lang="zh-CN" altLang="en-US" dirty="0"/>
               <a:t>班级表</a:t>
             </a:r>
+            <a:endParaRPr lang="zh-CN" altLang="en-US" dirty="0"/>
           </a:p>
           <a:p>
             <a:pPr lvl="1"/>
@@ -3866,18 +3906,21 @@
               <a:rPr lang="zh-CN" altLang="en-US" dirty="0"/>
               <a:t>学生班级关联表</a:t>
             </a:r>
+            <a:endParaRPr lang="zh-CN" altLang="en-US" dirty="0"/>
           </a:p>
           <a:p>
             <a:r>
               <a:rPr lang="zh-CN" altLang="en-US" dirty="0"/>
               <a:t>教师班级关联表</a:t>
             </a:r>
+            <a:endParaRPr lang="zh-CN" altLang="en-US" dirty="0"/>
           </a:p>
           <a:p>
             <a:r>
               <a:rPr lang="zh-CN" altLang="en-US" dirty="0"/>
               <a:t>签到表</a:t>
             </a:r>
+            <a:endParaRPr lang="zh-CN" altLang="en-US" dirty="0"/>
           </a:p>
           <a:p>
             <a:pPr lvl="1"/>
@@ -3885,6 +3928,7 @@
               <a:rPr lang="zh-CN" altLang="en-US" dirty="0"/>
               <a:t>学号，班级号，是否签到（0旷1到），签到开始时间，签到时间</a:t>
             </a:r>
+            <a:endParaRPr lang="zh-CN" altLang="en-US" dirty="0"/>
           </a:p>
           <a:p>
             <a:pPr lvl="1"/>
@@ -3949,6 +3993,7 @@
               <a:rPr lang="zh-CN" altLang="en-US" b="1" dirty="0"/>
               <a:t>优化版</a:t>
             </a:r>
+            <a:endParaRPr lang="zh-CN" altLang="en-US" b="1" dirty="0"/>
           </a:p>
         </p:txBody>
       </p:sp>
@@ -3979,6 +4024,7 @@
               <a:rPr lang="zh-CN" altLang="en-US" dirty="0"/>
               <a:t>在进一步的思考后，我们明确了签到是由老师发起，再由学生来进行签到的，所以只有在教师端进行发起签到之后才能写入签到开始时间，于是我们将签到表进行了拆分，并与教师表进行关联。</a:t>
             </a:r>
+            <a:endParaRPr lang="zh-CN" altLang="en-US" dirty="0"/>
           </a:p>
           <a:p>
             <a:pPr marL="0" indent="0">
@@ -3991,6 +4037,7 @@
               <a:rPr lang="zh-CN" altLang="en-US" dirty="0"/>
               <a:t>教师发布签到表：</a:t>
             </a:r>
+            <a:endParaRPr lang="zh-CN" altLang="en-US" dirty="0"/>
           </a:p>
           <a:p>
             <a:pPr lvl="1"/>
@@ -4005,6 +4052,7 @@
               <a:rPr lang="zh-CN" altLang="en-US" dirty="0"/>
               <a:t>学生签到表：</a:t>
             </a:r>
+            <a:endParaRPr lang="zh-CN" altLang="en-US" dirty="0"/>
           </a:p>
           <a:p>
             <a:pPr lvl="1"/>
@@ -4101,25 +4149,20 @@
               <a:rPr lang="zh-CN" altLang="en-US" dirty="0"/>
               <a:t>图</a:t>
             </a:r>
+            <a:endParaRPr lang="zh-CN" altLang="en-US" dirty="0"/>
           </a:p>
         </p:txBody>
       </p:sp>
       <p:pic>
         <p:nvPicPr>
-          <p:cNvPr id="3" name="图片 2">
-            <a:extLst>
-              <a:ext uri="{FF2B5EF4-FFF2-40B4-BE49-F238E27FC236}">
-                <a16:creationId xmlns:a16="http://schemas.microsoft.com/office/drawing/2014/main" id="{4BF08A99-8864-4DDE-9E8F-57D4446CB06F}"/>
-              </a:ext>
-            </a:extLst>
-          </p:cNvPr>
+          <p:cNvPr id="3" name="图片 2"/>
           <p:cNvPicPr>
             <a:picLocks noChangeAspect="1"/>
           </p:cNvPicPr>
           <p:nvPr/>
         </p:nvPicPr>
         <p:blipFill>
-          <a:blip r:embed="rId2"/>
+          <a:blip r:embed="rId1"/>
           <a:stretch>
             <a:fillRect/>
           </a:stretch>
@@ -4185,6 +4228,7 @@
               <a:rPr lang="zh-CN" altLang="en-US" dirty="0"/>
               <a:t>图</a:t>
             </a:r>
+            <a:endParaRPr lang="zh-CN" altLang="en-US" dirty="0"/>
           </a:p>
         </p:txBody>
       </p:sp>
@@ -4197,7 +4241,7 @@
           <p:nvPr/>
         </p:nvPicPr>
         <p:blipFill>
-          <a:blip r:embed="rId2">
+          <a:blip r:embed="rId1">
             <a:extLst>
               <a:ext uri="{28A0092B-C50C-407E-A947-70E740481C1C}">
                 <a14:useLocalDpi xmlns:a14="http://schemas.microsoft.com/office/drawing/2010/main" val="0"/>
@@ -4248,13 +4292,7 @@
       </p:grpSpPr>
       <p:sp>
         <p:nvSpPr>
-          <p:cNvPr id="2" name="标题 1">
-            <a:extLst>
-              <a:ext uri="{FF2B5EF4-FFF2-40B4-BE49-F238E27FC236}">
-                <a16:creationId xmlns:a16="http://schemas.microsoft.com/office/drawing/2014/main" id="{B8349E6C-FE8F-49BD-B01F-C4AB0DF67C6E}"/>
-              </a:ext>
-            </a:extLst>
-          </p:cNvPr>
+          <p:cNvPr id="2" name="标题 1"/>
           <p:cNvSpPr>
             <a:spLocks noGrp="1"/>
           </p:cNvSpPr>
@@ -4271,18 +4309,13 @@
               <a:rPr lang="zh-CN" altLang="en-US" dirty="0"/>
               <a:t>签到传输数据</a:t>
             </a:r>
-          </a:p>
-        </p:txBody>
-      </p:sp>
-      <p:sp>
-        <p:nvSpPr>
-          <p:cNvPr id="3" name="内容占位符 2">
-            <a:extLst>
-              <a:ext uri="{FF2B5EF4-FFF2-40B4-BE49-F238E27FC236}">
-                <a16:creationId xmlns:a16="http://schemas.microsoft.com/office/drawing/2014/main" id="{D1540B8F-9E6F-4913-88FA-B819B7174405}"/>
-              </a:ext>
-            </a:extLst>
-          </p:cNvPr>
+            <a:endParaRPr lang="zh-CN" altLang="en-US" dirty="0"/>
+          </a:p>
+        </p:txBody>
+      </p:sp>
+      <p:sp>
+        <p:nvSpPr>
+          <p:cNvPr id="3" name="内容占位符 2"/>
           <p:cNvSpPr>
             <a:spLocks noGrp="1"/>
           </p:cNvSpPr>
@@ -4327,11 +4360,6 @@
         </p:txBody>
       </p:sp>
     </p:spTree>
-    <p:extLst>
-      <p:ext uri="{BB962C8B-B14F-4D97-AF65-F5344CB8AC3E}">
-        <p14:creationId xmlns:p14="http://schemas.microsoft.com/office/powerpoint/2010/main" val="2600254531"/>
-      </p:ext>
-    </p:extLst>
   </p:cSld>
   <p:clrMapOvr>
     <a:masterClrMapping/>
@@ -4361,13 +4389,7 @@
       </p:grpSpPr>
       <p:sp>
         <p:nvSpPr>
-          <p:cNvPr id="2" name="标题 1">
-            <a:extLst>
-              <a:ext uri="{FF2B5EF4-FFF2-40B4-BE49-F238E27FC236}">
-                <a16:creationId xmlns:a16="http://schemas.microsoft.com/office/drawing/2014/main" id="{723EB0D1-58F0-4A73-B1D7-63AD3005A215}"/>
-              </a:ext>
-            </a:extLst>
-          </p:cNvPr>
+          <p:cNvPr id="2" name="标题 1"/>
           <p:cNvSpPr>
             <a:spLocks noGrp="1"/>
           </p:cNvSpPr>
@@ -4384,18 +4406,13 @@
               <a:rPr lang="zh-CN" altLang="en-US" dirty="0"/>
               <a:t>老师查看签到历史</a:t>
             </a:r>
-          </a:p>
-        </p:txBody>
-      </p:sp>
-      <p:sp>
-        <p:nvSpPr>
-          <p:cNvPr id="3" name="内容占位符 2">
-            <a:extLst>
-              <a:ext uri="{FF2B5EF4-FFF2-40B4-BE49-F238E27FC236}">
-                <a16:creationId xmlns:a16="http://schemas.microsoft.com/office/drawing/2014/main" id="{C29614AD-37AB-47AB-9E53-9A1E94980B68}"/>
-              </a:ext>
-            </a:extLst>
-          </p:cNvPr>
+            <a:endParaRPr lang="zh-CN" altLang="en-US" dirty="0"/>
+          </a:p>
+        </p:txBody>
+      </p:sp>
+      <p:sp>
+        <p:nvSpPr>
+          <p:cNvPr id="3" name="内容占位符 2"/>
           <p:cNvSpPr>
             <a:spLocks noGrp="1"/>
           </p:cNvSpPr>
@@ -4420,15 +4437,11 @@
               <a:rPr lang="zh-CN" altLang="en-US" dirty="0"/>
               <a:t>字段递增即可查看每一次签到</a:t>
             </a:r>
+            <a:endParaRPr lang="zh-CN" altLang="en-US" dirty="0"/>
           </a:p>
         </p:txBody>
       </p:sp>
     </p:spTree>
-    <p:extLst>
-      <p:ext uri="{BB962C8B-B14F-4D97-AF65-F5344CB8AC3E}">
-        <p14:creationId xmlns:p14="http://schemas.microsoft.com/office/powerpoint/2010/main" val="83687604"/>
-      </p:ext>
-    </p:extLst>
   </p:cSld>
   <p:clrMapOvr>
     <a:masterClrMapping/>
@@ -4458,13 +4471,7 @@
       </p:grpSpPr>
       <p:sp>
         <p:nvSpPr>
-          <p:cNvPr id="2" name="标题 1">
-            <a:extLst>
-              <a:ext uri="{FF2B5EF4-FFF2-40B4-BE49-F238E27FC236}">
-                <a16:creationId xmlns:a16="http://schemas.microsoft.com/office/drawing/2014/main" id="{7B344494-A3FC-42C7-9E1C-76C5247531D5}"/>
-              </a:ext>
-            </a:extLst>
-          </p:cNvPr>
+          <p:cNvPr id="2" name="标题 1"/>
           <p:cNvSpPr>
             <a:spLocks noGrp="1"/>
           </p:cNvSpPr>
@@ -4486,18 +4493,13 @@
               <a:rPr lang="zh-CN" altLang="en-US" dirty="0"/>
               <a:t>一些后台示例语句（后期会优化）</a:t>
             </a:r>
-          </a:p>
-        </p:txBody>
-      </p:sp>
-      <p:sp>
-        <p:nvSpPr>
-          <p:cNvPr id="3" name="内容占位符 2">
-            <a:extLst>
-              <a:ext uri="{FF2B5EF4-FFF2-40B4-BE49-F238E27FC236}">
-                <a16:creationId xmlns:a16="http://schemas.microsoft.com/office/drawing/2014/main" id="{551D3CFA-FD73-4F35-97D7-5D0FD2AC426F}"/>
-              </a:ext>
-            </a:extLst>
-          </p:cNvPr>
+            <a:endParaRPr lang="zh-CN" altLang="en-US" dirty="0"/>
+          </a:p>
+        </p:txBody>
+      </p:sp>
+      <p:sp>
+        <p:nvSpPr>
+          <p:cNvPr id="3" name="内容占位符 2"/>
           <p:cNvSpPr>
             <a:spLocks noGrp="1"/>
           </p:cNvSpPr>
@@ -4545,6 +4547,7 @@
               <a:rPr lang="en-US" altLang="zh-CN" dirty="0"/>
               <a:t>);</a:t>
             </a:r>
+            <a:endParaRPr lang="en-US" altLang="zh-CN" dirty="0"/>
           </a:p>
           <a:p>
             <a:r>
@@ -4575,6 +4578,7 @@
               <a:rPr lang="en-US" altLang="zh-CN" dirty="0"/>
               <a:t>);</a:t>
             </a:r>
+            <a:endParaRPr lang="en-US" altLang="zh-CN" dirty="0"/>
           </a:p>
           <a:p>
             <a:r>
@@ -4645,6 +4649,7 @@
               <a:rPr lang="en-US" altLang="zh-CN" dirty="0"/>
               <a:t>; </a:t>
             </a:r>
+            <a:endParaRPr lang="en-US" altLang="zh-CN" dirty="0"/>
           </a:p>
           <a:p>
             <a:r>
@@ -4731,6 +4736,7 @@
               <a:rPr lang="en-US" altLang="zh-CN" dirty="0"/>
               <a:t>);</a:t>
             </a:r>
+            <a:endParaRPr lang="en-US" altLang="zh-CN" dirty="0"/>
           </a:p>
           <a:p>
             <a:pPr marL="0" indent="0">
@@ -4741,11 +4747,6 @@
         </p:txBody>
       </p:sp>
     </p:spTree>
-    <p:extLst>
-      <p:ext uri="{BB962C8B-B14F-4D97-AF65-F5344CB8AC3E}">
-        <p14:creationId xmlns:p14="http://schemas.microsoft.com/office/powerpoint/2010/main" val="2943377430"/>
-      </p:ext>
-    </p:extLst>
   </p:cSld>
   <p:clrMapOvr>
     <a:masterClrMapping/>
@@ -4775,13 +4776,7 @@
       </p:grpSpPr>
       <p:sp>
         <p:nvSpPr>
-          <p:cNvPr id="2" name="标题 1">
-            <a:extLst>
-              <a:ext uri="{FF2B5EF4-FFF2-40B4-BE49-F238E27FC236}">
-                <a16:creationId xmlns:a16="http://schemas.microsoft.com/office/drawing/2014/main" id="{079B5BA3-2BD5-47AD-8BFC-7634B8C362D0}"/>
-              </a:ext>
-            </a:extLst>
-          </p:cNvPr>
+          <p:cNvPr id="2" name="标题 1"/>
           <p:cNvSpPr>
             <a:spLocks noGrp="1"/>
           </p:cNvSpPr>
@@ -4807,18 +4802,13 @@
               <a:rPr lang="zh-CN" altLang="en-US" dirty="0"/>
               <a:t>端大致的框架</a:t>
             </a:r>
+            <a:endParaRPr lang="zh-CN" altLang="en-US" dirty="0"/>
           </a:p>
         </p:txBody>
       </p:sp>
       <p:pic>
         <p:nvPicPr>
-          <p:cNvPr id="5" name="内容占位符 4">
-            <a:extLst>
-              <a:ext uri="{FF2B5EF4-FFF2-40B4-BE49-F238E27FC236}">
-                <a16:creationId xmlns:a16="http://schemas.microsoft.com/office/drawing/2014/main" id="{5FF07A03-CC09-4EEB-BB9E-CAACB27E9C78}"/>
-              </a:ext>
-            </a:extLst>
-          </p:cNvPr>
+          <p:cNvPr id="5" name="内容占位符 4"/>
           <p:cNvPicPr>
             <a:picLocks noGrp="1" noChangeAspect="1"/>
           </p:cNvPicPr>
@@ -4827,7 +4817,7 @@
           </p:nvPr>
         </p:nvPicPr>
         <p:blipFill>
-          <a:blip r:embed="rId2">
+          <a:blip r:embed="rId1">
             <a:extLst>
               <a:ext uri="{28A0092B-C50C-407E-A947-70E740481C1C}">
                 <a14:useLocalDpi xmlns:a14="http://schemas.microsoft.com/office/drawing/2010/main" val="0"/>
@@ -4847,20 +4837,14 @@
       </p:pic>
       <p:pic>
         <p:nvPicPr>
-          <p:cNvPr id="7" name="图片 6">
-            <a:extLst>
-              <a:ext uri="{FF2B5EF4-FFF2-40B4-BE49-F238E27FC236}">
-                <a16:creationId xmlns:a16="http://schemas.microsoft.com/office/drawing/2014/main" id="{160B9FA9-5EF0-4746-A398-94468DBCECA1}"/>
-              </a:ext>
-            </a:extLst>
-          </p:cNvPr>
+          <p:cNvPr id="7" name="图片 6"/>
           <p:cNvPicPr>
             <a:picLocks noChangeAspect="1"/>
           </p:cNvPicPr>
           <p:nvPr/>
         </p:nvPicPr>
         <p:blipFill>
-          <a:blip r:embed="rId3">
+          <a:blip r:embed="rId2">
             <a:extLst>
               <a:ext uri="{28A0092B-C50C-407E-A947-70E740481C1C}">
                 <a14:useLocalDpi xmlns:a14="http://schemas.microsoft.com/office/drawing/2010/main" val="0"/>
@@ -4882,11 +4866,6 @@
         </p:spPr>
       </p:pic>
     </p:spTree>
-    <p:extLst>
-      <p:ext uri="{BB962C8B-B14F-4D97-AF65-F5344CB8AC3E}">
-        <p14:creationId xmlns:p14="http://schemas.microsoft.com/office/powerpoint/2010/main" val="2310885911"/>
-      </p:ext>
-    </p:extLst>
   </p:cSld>
   <p:clrMapOvr>
     <a:masterClrMapping/>
@@ -5318,6 +5297,7 @@
               <a:rPr lang="zh-CN" altLang="en-US" dirty="0"/>
               <a:t>功能流程</a:t>
             </a:r>
+            <a:endParaRPr lang="zh-CN" altLang="en-US" dirty="0"/>
           </a:p>
         </p:txBody>
       </p:sp>
@@ -5330,7 +5310,7 @@
           <p:nvPr/>
         </p:nvPicPr>
         <p:blipFill>
-          <a:blip r:embed="rId2">
+          <a:blip r:embed="rId1">
             <a:extLst>
               <a:ext uri="{28A0092B-C50C-407E-A947-70E740481C1C}">
                 <a14:useLocalDpi xmlns:a14="http://schemas.microsoft.com/office/drawing/2010/main" val="0"/>
@@ -5343,8 +5323,8 @@
         </p:blipFill>
         <p:spPr>
           <a:xfrm>
-            <a:off x="3475006" y="685636"/>
-            <a:ext cx="8296275" cy="5629275"/>
+            <a:off x="3474720" y="685800"/>
+            <a:ext cx="5334635" cy="3619500"/>
           </a:xfrm>
           <a:prstGeom prst="rect">
             <a:avLst/>
@@ -5398,6 +5378,7 @@
               <a:rPr lang="zh-CN" altLang="en-US" dirty="0"/>
               <a:t>核心功能流程介绍</a:t>
             </a:r>
+            <a:endParaRPr lang="zh-CN" altLang="en-US" dirty="0"/>
           </a:p>
         </p:txBody>
       </p:sp>
@@ -5423,6 +5404,7 @@
               <a:rPr lang="zh-CN" altLang="en-US" dirty="0"/>
               <a:t>学生端：</a:t>
             </a:r>
+            <a:endParaRPr lang="zh-CN" altLang="en-US" dirty="0"/>
           </a:p>
           <a:p>
             <a:pPr marL="0" indent="0">
@@ -5436,6 +5418,7 @@
               <a:rPr lang="zh-CN" altLang="en-US" dirty="0"/>
               <a:t>加入课程：按照课程号加入课程</a:t>
             </a:r>
+            <a:endParaRPr lang="zh-CN" altLang="en-US" dirty="0"/>
           </a:p>
           <a:p>
             <a:pPr marL="0" indent="0">
@@ -5449,6 +5432,7 @@
               <a:rPr lang="zh-CN" altLang="en-US" dirty="0"/>
               <a:t>课程签到：按照教师给出的签到码进行签到</a:t>
             </a:r>
+            <a:endParaRPr lang="zh-CN" altLang="en-US" dirty="0"/>
           </a:p>
           <a:p>
             <a:pPr marL="0" indent="0">
@@ -5462,6 +5446,7 @@
               <a:rPr lang="zh-CN" altLang="en-US" dirty="0"/>
               <a:t>查看个人签到历史情况：按照时间给出签到列表</a:t>
             </a:r>
+            <a:endParaRPr lang="zh-CN" altLang="en-US" dirty="0"/>
           </a:p>
           <a:p>
             <a:pPr marL="0" indent="0">
@@ -5481,6 +5466,7 @@
               <a:rPr lang="en-US" altLang="zh-CN" dirty="0"/>
               <a:t>	</a:t>
             </a:r>
+            <a:endParaRPr lang="en-US" altLang="zh-CN" dirty="0"/>
           </a:p>
         </p:txBody>
       </p:sp>
@@ -5531,6 +5517,7 @@
               <a:rPr lang="zh-CN" altLang="en-US" dirty="0"/>
               <a:t>核心功能流程介绍</a:t>
             </a:r>
+            <a:endParaRPr lang="zh-CN" altLang="en-US" dirty="0"/>
           </a:p>
         </p:txBody>
       </p:sp>
@@ -5556,6 +5543,7 @@
               <a:rPr lang="zh-CN" altLang="en-US" dirty="0"/>
               <a:t>教师端：</a:t>
             </a:r>
+            <a:endParaRPr lang="zh-CN" altLang="en-US" dirty="0"/>
           </a:p>
           <a:p>
             <a:pPr marL="0" indent="0">
@@ -5569,6 +5557,7 @@
               <a:rPr lang="zh-CN" altLang="en-US" dirty="0"/>
               <a:t>创建课程：填入课程信息，生成课程码</a:t>
             </a:r>
+            <a:endParaRPr lang="zh-CN" altLang="en-US" dirty="0"/>
           </a:p>
           <a:p>
             <a:pPr marL="0" indent="0">
@@ -5582,6 +5571,7 @@
               <a:rPr lang="zh-CN" altLang="en-US" dirty="0"/>
               <a:t>课堂签到：发起签到，生成签到码</a:t>
             </a:r>
+            <a:endParaRPr lang="zh-CN" altLang="en-US" dirty="0"/>
           </a:p>
           <a:p>
             <a:pPr marL="0" indent="0">
@@ -5595,6 +5585,7 @@
               <a:rPr lang="zh-CN" altLang="en-US" dirty="0"/>
               <a:t>查看所有签到情况：按照时间列表给出所有学生签到情况</a:t>
             </a:r>
+            <a:endParaRPr lang="zh-CN" altLang="en-US" dirty="0"/>
           </a:p>
           <a:p>
             <a:pPr marL="0" indent="0">
@@ -5614,6 +5605,7 @@
               <a:rPr lang="en-US" altLang="zh-CN" dirty="0"/>
               <a:t>	</a:t>
             </a:r>
+            <a:endParaRPr lang="en-US" altLang="zh-CN" dirty="0"/>
           </a:p>
         </p:txBody>
       </p:sp>
@@ -5664,6 +5656,7 @@
               <a:rPr lang="zh-CN" altLang="en-US" dirty="0"/>
               <a:t>核心功能流程介绍</a:t>
             </a:r>
+            <a:endParaRPr lang="zh-CN" altLang="en-US" dirty="0"/>
           </a:p>
         </p:txBody>
       </p:sp>
@@ -5693,6 +5686,7 @@
               <a:rPr lang="zh-CN" altLang="en-US" dirty="0"/>
               <a:t>端：</a:t>
             </a:r>
+            <a:endParaRPr lang="zh-CN" altLang="en-US" dirty="0"/>
           </a:p>
           <a:p>
             <a:pPr marL="0" indent="0">
@@ -5706,6 +5700,7 @@
               <a:rPr lang="zh-CN" altLang="en-US" dirty="0"/>
               <a:t>功能繁杂、多样</a:t>
             </a:r>
+            <a:endParaRPr lang="zh-CN" altLang="en-US" dirty="0"/>
           </a:p>
           <a:p>
             <a:pPr marL="0" indent="0">
@@ -5743,6 +5738,7 @@
               <a:rPr lang="zh-CN" altLang="en-US" dirty="0"/>
               <a:t>数据，封装成请求体，传入后端写入数据库。</a:t>
             </a:r>
+            <a:endParaRPr lang="zh-CN" altLang="en-US" dirty="0"/>
           </a:p>
         </p:txBody>
       </p:sp>
@@ -5793,6 +5789,7 @@
               <a:rPr lang="zh-CN" altLang="en-US" dirty="0"/>
               <a:t>关于学生查看签到信息</a:t>
             </a:r>
+            <a:endParaRPr lang="zh-CN" altLang="en-US" dirty="0"/>
           </a:p>
         </p:txBody>
       </p:sp>
@@ -5822,6 +5819,7 @@
               <a:rPr lang="en-US" altLang="zh-CN" dirty="0"/>
               <a:t>	</a:t>
             </a:r>
+            <a:endParaRPr lang="en-US" altLang="zh-CN" dirty="0"/>
           </a:p>
         </p:txBody>
       </p:sp>
@@ -5872,6 +5870,7 @@
               <a:rPr lang="zh-CN" altLang="en-US" dirty="0"/>
               <a:t>关于老师查看签到信息功能</a:t>
             </a:r>
+            <a:endParaRPr lang="zh-CN" altLang="en-US" dirty="0"/>
           </a:p>
         </p:txBody>
       </p:sp>
@@ -5901,6 +5900,7 @@
               <a:rPr lang="zh-CN" altLang="en-US" dirty="0"/>
               <a:t>：实时显示，创建一个单独的线程，每隔数秒后向后端发起请求，获取签到情况，模拟出实时显示签到信息功能。</a:t>
             </a:r>
+            <a:endParaRPr lang="zh-CN" altLang="en-US" dirty="0"/>
           </a:p>
           <a:p>
             <a:pPr marL="0" indent="0">
@@ -5914,6 +5914,7 @@
               <a:rPr lang="zh-CN" altLang="en-US" dirty="0"/>
               <a:t>手动刷新，以下拉刷新的方式向后端发起请求，获取此时的签到情况。</a:t>
             </a:r>
+            <a:endParaRPr lang="zh-CN" altLang="en-US" dirty="0"/>
           </a:p>
         </p:txBody>
       </p:sp>
@@ -5964,6 +5965,7 @@
               <a:rPr lang="zh-CN" altLang="en-US" dirty="0"/>
               <a:t>技术实现</a:t>
             </a:r>
+            <a:endParaRPr lang="zh-CN" altLang="en-US" dirty="0"/>
           </a:p>
         </p:txBody>
       </p:sp>
@@ -5990,6 +5992,7 @@
               <a:rPr lang="en-US" altLang="zh-CN" dirty="0"/>
               <a:t>MySQL</a:t>
             </a:r>
+            <a:endParaRPr lang="en-US" altLang="zh-CN" dirty="0"/>
           </a:p>
           <a:p>
             <a:r>
@@ -6000,6 +6003,7 @@
               <a:rPr lang="en-US" altLang="zh-CN" dirty="0"/>
               <a:t>Java</a:t>
             </a:r>
+            <a:endParaRPr lang="en-US" altLang="zh-CN" dirty="0"/>
           </a:p>
           <a:p>
             <a:r>
@@ -6014,6 +6018,7 @@
               <a:rPr lang="en-US" altLang="zh-CN" dirty="0"/>
               <a:t>Vue.js</a:t>
             </a:r>
+            <a:endParaRPr lang="en-US" altLang="zh-CN" dirty="0"/>
           </a:p>
           <a:p>
             <a:r>
@@ -6075,6 +6080,7 @@
               <a:rPr lang="zh-CN" altLang="en-US" dirty="0"/>
               <a:t>数据库设计</a:t>
             </a:r>
+            <a:endParaRPr lang="zh-CN" altLang="en-US" dirty="0"/>
           </a:p>
         </p:txBody>
       </p:sp>
@@ -6111,6 +6117,7 @@
               <a:rPr lang="zh-CN" altLang="en-US" dirty="0"/>
               <a:t>存储签到信息</a:t>
             </a:r>
+            <a:endParaRPr lang="zh-CN" altLang="en-US" dirty="0"/>
           </a:p>
           <a:p>
             <a:pPr marL="0" indent="0">
@@ -6382,8 +6389,6 @@
       </a:bgFillStyleLst>
     </a:fmtScheme>
   </a:themeElements>
-  <a:objectDefaults/>
-  <a:extraClrSchemeLst/>
   <a:extLst>
     <a:ext uri="{05A4C25C-085E-4340-85A3-A5531E510DB2}">
       <thm15:themeFamily xmlns:thm15="http://schemas.microsoft.com/office/thememl/2012/main" name="Office Theme" id="{62F939B6-93AF-4DB8-9C6B-D6C7DFDC589F}" vid="{4A3C46E8-61CC-4603-A589-7422A47A8E4A}"/>
@@ -6643,8 +6648,6 @@
       </a:bgFillStyleLst>
     </a:fmtScheme>
   </a:themeElements>
-  <a:objectDefaults/>
-  <a:extraClrSchemeLst/>
   <a:extLst>
     <a:ext uri="{05A4C25C-085E-4340-85A3-A5531E510DB2}">
       <thm15:themeFamily xmlns:thm15="http://schemas.microsoft.com/office/thememl/2012/main" name="Office Theme" id="{62F939B6-93AF-4DB8-9C6B-D6C7DFDC589F}" vid="{4A3C46E8-61CC-4603-A589-7422A47A8E4A}"/>
